--- a/20-12-Ventilation_vs_Infectivity/Model-Reproduction-Gammatoni/Artikel-Forskerzonen/Model-presentation.pptx
+++ b/20-12-Ventilation_vs_Infectivity/Model-Reproduction-Gammatoni/Artikel-Forskerzonen/Model-presentation.pptx
@@ -1,21 +1,116 @@
 
 <file path=ppt/presentation.xml><?xml version="1.0" encoding="utf-8"?>
-<p:presentation xmlns:a="http://schemas.openxmlformats.org/drawingml/2006/main" xmlns:p="http://schemas.openxmlformats.org/presentationml/2006/main" xmlns:r="http://schemas.openxmlformats.org/officeDocument/2006/relationships" xmlns:p14="http://schemas.microsoft.com/office/powerpoint/2010/main" xmlns:p15="http://schemas.microsoft.com/office/powerpoint/2012/main" xmlns:mc="http://schemas.openxmlformats.org/markup-compatibility/2006">
+<p:presentation xmlns:a="http://schemas.openxmlformats.org/drawingml/2006/main" xmlns:r="http://schemas.openxmlformats.org/officeDocument/2006/relationships" xmlns:p="http://schemas.openxmlformats.org/presentationml/2006/main">
   <p:sldMasterIdLst>
-    <p:sldMasterId id="2147483648" r:id="rId2"/>
+    <p:sldMasterId id="2147483648" r:id="rId1"/>
   </p:sldMasterIdLst>
   <p:sldIdLst>
-    <p:sldId id="256" r:id="rId3"/>
-    <p:sldId id="257" r:id="rId4"/>
-    <p:sldId id="258" r:id="rId5"/>
+    <p:sldId id="256" r:id="rId2"/>
+    <p:sldId id="257" r:id="rId3"/>
+    <p:sldId id="258" r:id="rId4"/>
   </p:sldIdLst>
   <p:sldSz cx="10080625" cy="5670550"/>
-  <p:notesSz cx="7559675" cy="10691812"/>
+  <p:notesSz cx="7559675" cy="10691813"/>
+  <p:defaultTextStyle>
+    <a:defPPr>
+      <a:defRPr lang="da-DK"/>
+    </a:defPPr>
+    <a:lvl1pPr marL="0" algn="l" defTabSz="914400" rtl="0" eaLnBrk="1" latinLnBrk="0" hangingPunct="1">
+      <a:defRPr sz="1800" kern="1200">
+        <a:solidFill>
+          <a:schemeClr val="tx1"/>
+        </a:solidFill>
+        <a:latin typeface="+mn-lt"/>
+        <a:ea typeface="+mn-ea"/>
+        <a:cs typeface="+mn-cs"/>
+      </a:defRPr>
+    </a:lvl1pPr>
+    <a:lvl2pPr marL="457200" algn="l" defTabSz="914400" rtl="0" eaLnBrk="1" latinLnBrk="0" hangingPunct="1">
+      <a:defRPr sz="1800" kern="1200">
+        <a:solidFill>
+          <a:schemeClr val="tx1"/>
+        </a:solidFill>
+        <a:latin typeface="+mn-lt"/>
+        <a:ea typeface="+mn-ea"/>
+        <a:cs typeface="+mn-cs"/>
+      </a:defRPr>
+    </a:lvl2pPr>
+    <a:lvl3pPr marL="914400" algn="l" defTabSz="914400" rtl="0" eaLnBrk="1" latinLnBrk="0" hangingPunct="1">
+      <a:defRPr sz="1800" kern="1200">
+        <a:solidFill>
+          <a:schemeClr val="tx1"/>
+        </a:solidFill>
+        <a:latin typeface="+mn-lt"/>
+        <a:ea typeface="+mn-ea"/>
+        <a:cs typeface="+mn-cs"/>
+      </a:defRPr>
+    </a:lvl3pPr>
+    <a:lvl4pPr marL="1371600" algn="l" defTabSz="914400" rtl="0" eaLnBrk="1" latinLnBrk="0" hangingPunct="1">
+      <a:defRPr sz="1800" kern="1200">
+        <a:solidFill>
+          <a:schemeClr val="tx1"/>
+        </a:solidFill>
+        <a:latin typeface="+mn-lt"/>
+        <a:ea typeface="+mn-ea"/>
+        <a:cs typeface="+mn-cs"/>
+      </a:defRPr>
+    </a:lvl4pPr>
+    <a:lvl5pPr marL="1828800" algn="l" defTabSz="914400" rtl="0" eaLnBrk="1" latinLnBrk="0" hangingPunct="1">
+      <a:defRPr sz="1800" kern="1200">
+        <a:solidFill>
+          <a:schemeClr val="tx1"/>
+        </a:solidFill>
+        <a:latin typeface="+mn-lt"/>
+        <a:ea typeface="+mn-ea"/>
+        <a:cs typeface="+mn-cs"/>
+      </a:defRPr>
+    </a:lvl5pPr>
+    <a:lvl6pPr marL="2286000" algn="l" defTabSz="914400" rtl="0" eaLnBrk="1" latinLnBrk="0" hangingPunct="1">
+      <a:defRPr sz="1800" kern="1200">
+        <a:solidFill>
+          <a:schemeClr val="tx1"/>
+        </a:solidFill>
+        <a:latin typeface="+mn-lt"/>
+        <a:ea typeface="+mn-ea"/>
+        <a:cs typeface="+mn-cs"/>
+      </a:defRPr>
+    </a:lvl6pPr>
+    <a:lvl7pPr marL="2743200" algn="l" defTabSz="914400" rtl="0" eaLnBrk="1" latinLnBrk="0" hangingPunct="1">
+      <a:defRPr sz="1800" kern="1200">
+        <a:solidFill>
+          <a:schemeClr val="tx1"/>
+        </a:solidFill>
+        <a:latin typeface="+mn-lt"/>
+        <a:ea typeface="+mn-ea"/>
+        <a:cs typeface="+mn-cs"/>
+      </a:defRPr>
+    </a:lvl7pPr>
+    <a:lvl8pPr marL="3200400" algn="l" defTabSz="914400" rtl="0" eaLnBrk="1" latinLnBrk="0" hangingPunct="1">
+      <a:defRPr sz="1800" kern="1200">
+        <a:solidFill>
+          <a:schemeClr val="tx1"/>
+        </a:solidFill>
+        <a:latin typeface="+mn-lt"/>
+        <a:ea typeface="+mn-ea"/>
+        <a:cs typeface="+mn-cs"/>
+      </a:defRPr>
+    </a:lvl8pPr>
+    <a:lvl9pPr marL="3657600" algn="l" defTabSz="914400" rtl="0" eaLnBrk="1" latinLnBrk="0" hangingPunct="1">
+      <a:defRPr sz="1800" kern="1200">
+        <a:solidFill>
+          <a:schemeClr val="tx1"/>
+        </a:solidFill>
+        <a:latin typeface="+mn-lt"/>
+        <a:ea typeface="+mn-ea"/>
+        <a:cs typeface="+mn-cs"/>
+      </a:defRPr>
+    </a:lvl9pPr>
+  </p:defaultTextStyle>
 </p:presentation>
 </file>
 
 <file path=ppt/slideLayouts/slideLayout1.xml><?xml version="1.0" encoding="utf-8"?>
-<p:sldLayout xmlns:a="http://schemas.openxmlformats.org/drawingml/2006/main" xmlns:p="http://schemas.openxmlformats.org/presentationml/2006/main" xmlns:r="http://schemas.openxmlformats.org/officeDocument/2006/relationships" xmlns:p14="http://schemas.microsoft.com/office/powerpoint/2010/main" xmlns:p15="http://schemas.microsoft.com/office/powerpoint/2012/main" xmlns:mc="http://schemas.openxmlformats.org/markup-compatibility/2006" type="blank" preserve="1">
+<p:sldLayout xmlns:a="http://schemas.openxmlformats.org/drawingml/2006/main" xmlns:r="http://schemas.openxmlformats.org/officeDocument/2006/relationships" xmlns:p="http://schemas.openxmlformats.org/presentationml/2006/main" type="blank" preserve="1">
   <p:cSld name="Blank Slide">
     <p:spTree>
       <p:nvGrpSpPr>
@@ -33,11 +128,14 @@
       </p:grpSpPr>
     </p:spTree>
   </p:cSld>
+  <p:clrMapOvr>
+    <a:masterClrMapping/>
+  </p:clrMapOvr>
 </p:sldLayout>
 </file>
 
 <file path=ppt/slideLayouts/slideLayout10.xml><?xml version="1.0" encoding="utf-8"?>
-<p:sldLayout xmlns:a="http://schemas.openxmlformats.org/drawingml/2006/main" xmlns:p="http://schemas.openxmlformats.org/presentationml/2006/main" xmlns:r="http://schemas.openxmlformats.org/officeDocument/2006/relationships" xmlns:p14="http://schemas.microsoft.com/office/powerpoint/2010/main" xmlns:p15="http://schemas.microsoft.com/office/powerpoint/2012/main" xmlns:mc="http://schemas.openxmlformats.org/markup-compatibility/2006" type="objOverTx" preserve="1">
+<p:sldLayout xmlns:a="http://schemas.openxmlformats.org/drawingml/2006/main" xmlns:r="http://schemas.openxmlformats.org/officeDocument/2006/relationships" xmlns:p="http://schemas.openxmlformats.org/presentationml/2006/main" type="objOverTx" preserve="1">
   <p:cSld name="Title, Content over Content">
     <p:spTree>
       <p:nvGrpSpPr>
@@ -73,12 +171,13 @@
           </a:prstGeom>
         </p:spPr>
         <p:txBody>
-          <a:bodyPr lIns="0" rIns="0" tIns="0" bIns="0" anchor="ctr">
+          <a:bodyPr lIns="0" tIns="0" rIns="0" bIns="0" anchor="ctr">
             <a:noAutofit/>
           </a:bodyPr>
+          <a:lstStyle/>
           <a:p>
             <a:pPr algn="ctr"/>
-            <a:endParaRPr b="0" lang="en-GB" sz="4400" spc="-1" strike="noStrike">
+            <a:endParaRPr lang="en-GB" sz="4400" b="0" strike="noStrike" spc="-1">
               <a:latin typeface="Arial"/>
             </a:endParaRPr>
           </a:p>
@@ -104,11 +203,12 @@
           </a:prstGeom>
         </p:spPr>
         <p:txBody>
-          <a:bodyPr lIns="0" rIns="0" tIns="0" bIns="0">
+          <a:bodyPr lIns="0" tIns="0" rIns="0" bIns="0">
             <a:normAutofit/>
           </a:bodyPr>
+          <a:lstStyle/>
           <a:p>
-            <a:endParaRPr b="0" lang="en-GB" sz="3200" spc="-1" strike="noStrike">
+            <a:endParaRPr lang="en-GB" sz="3200" b="0" strike="noStrike" spc="-1">
               <a:latin typeface="Arial"/>
             </a:endParaRPr>
           </a:p>
@@ -134,11 +234,12 @@
           </a:prstGeom>
         </p:spPr>
         <p:txBody>
-          <a:bodyPr lIns="0" rIns="0" tIns="0" bIns="0">
+          <a:bodyPr lIns="0" tIns="0" rIns="0" bIns="0">
             <a:normAutofit/>
           </a:bodyPr>
+          <a:lstStyle/>
           <a:p>
-            <a:endParaRPr b="0" lang="en-GB" sz="3200" spc="-1" strike="noStrike">
+            <a:endParaRPr lang="en-GB" sz="3200" b="0" strike="noStrike" spc="-1">
               <a:latin typeface="Arial"/>
             </a:endParaRPr>
           </a:p>
@@ -146,11 +247,14 @@
       </p:sp>
     </p:spTree>
   </p:cSld>
+  <p:clrMapOvr>
+    <a:masterClrMapping/>
+  </p:clrMapOvr>
 </p:sldLayout>
 </file>
 
 <file path=ppt/slideLayouts/slideLayout11.xml><?xml version="1.0" encoding="utf-8"?>
-<p:sldLayout xmlns:a="http://schemas.openxmlformats.org/drawingml/2006/main" xmlns:p="http://schemas.openxmlformats.org/presentationml/2006/main" xmlns:r="http://schemas.openxmlformats.org/officeDocument/2006/relationships" xmlns:p14="http://schemas.microsoft.com/office/powerpoint/2010/main" xmlns:p15="http://schemas.microsoft.com/office/powerpoint/2012/main" xmlns:mc="http://schemas.openxmlformats.org/markup-compatibility/2006" type="fourObj" preserve="1">
+<p:sldLayout xmlns:a="http://schemas.openxmlformats.org/drawingml/2006/main" xmlns:r="http://schemas.openxmlformats.org/officeDocument/2006/relationships" xmlns:p="http://schemas.openxmlformats.org/presentationml/2006/main" type="fourObj" preserve="1">
   <p:cSld name="Title, 4 Content">
     <p:spTree>
       <p:nvGrpSpPr>
@@ -186,12 +290,13 @@
           </a:prstGeom>
         </p:spPr>
         <p:txBody>
-          <a:bodyPr lIns="0" rIns="0" tIns="0" bIns="0" anchor="ctr">
+          <a:bodyPr lIns="0" tIns="0" rIns="0" bIns="0" anchor="ctr">
             <a:noAutofit/>
           </a:bodyPr>
+          <a:lstStyle/>
           <a:p>
             <a:pPr algn="ctr"/>
-            <a:endParaRPr b="0" lang="en-GB" sz="4400" spc="-1" strike="noStrike">
+            <a:endParaRPr lang="en-GB" sz="4400" b="0" strike="noStrike" spc="-1">
               <a:latin typeface="Arial"/>
             </a:endParaRPr>
           </a:p>
@@ -217,11 +322,12 @@
           </a:prstGeom>
         </p:spPr>
         <p:txBody>
-          <a:bodyPr lIns="0" rIns="0" tIns="0" bIns="0">
+          <a:bodyPr lIns="0" tIns="0" rIns="0" bIns="0">
             <a:normAutofit/>
           </a:bodyPr>
+          <a:lstStyle/>
           <a:p>
-            <a:endParaRPr b="0" lang="en-GB" sz="3200" spc="-1" strike="noStrike">
+            <a:endParaRPr lang="en-GB" sz="3200" b="0" strike="noStrike" spc="-1">
               <a:latin typeface="Arial"/>
             </a:endParaRPr>
           </a:p>
@@ -247,11 +353,12 @@
           </a:prstGeom>
         </p:spPr>
         <p:txBody>
-          <a:bodyPr lIns="0" rIns="0" tIns="0" bIns="0">
+          <a:bodyPr lIns="0" tIns="0" rIns="0" bIns="0">
             <a:normAutofit/>
           </a:bodyPr>
+          <a:lstStyle/>
           <a:p>
-            <a:endParaRPr b="0" lang="en-GB" sz="3200" spc="-1" strike="noStrike">
+            <a:endParaRPr lang="en-GB" sz="3200" b="0" strike="noStrike" spc="-1">
               <a:latin typeface="Arial"/>
             </a:endParaRPr>
           </a:p>
@@ -277,11 +384,12 @@
           </a:prstGeom>
         </p:spPr>
         <p:txBody>
-          <a:bodyPr lIns="0" rIns="0" tIns="0" bIns="0">
+          <a:bodyPr lIns="0" tIns="0" rIns="0" bIns="0">
             <a:normAutofit/>
           </a:bodyPr>
+          <a:lstStyle/>
           <a:p>
-            <a:endParaRPr b="0" lang="en-GB" sz="3200" spc="-1" strike="noStrike">
+            <a:endParaRPr lang="en-GB" sz="3200" b="0" strike="noStrike" spc="-1">
               <a:latin typeface="Arial"/>
             </a:endParaRPr>
           </a:p>
@@ -307,11 +415,12 @@
           </a:prstGeom>
         </p:spPr>
         <p:txBody>
-          <a:bodyPr lIns="0" rIns="0" tIns="0" bIns="0">
+          <a:bodyPr lIns="0" tIns="0" rIns="0" bIns="0">
             <a:normAutofit/>
           </a:bodyPr>
+          <a:lstStyle/>
           <a:p>
-            <a:endParaRPr b="0" lang="en-GB" sz="3200" spc="-1" strike="noStrike">
+            <a:endParaRPr lang="en-GB" sz="3200" b="0" strike="noStrike" spc="-1">
               <a:latin typeface="Arial"/>
             </a:endParaRPr>
           </a:p>
@@ -319,11 +428,14 @@
       </p:sp>
     </p:spTree>
   </p:cSld>
+  <p:clrMapOvr>
+    <a:masterClrMapping/>
+  </p:clrMapOvr>
 </p:sldLayout>
 </file>
 
 <file path=ppt/slideLayouts/slideLayout12.xml><?xml version="1.0" encoding="utf-8"?>
-<p:sldLayout xmlns:a="http://schemas.openxmlformats.org/drawingml/2006/main" xmlns:p="http://schemas.openxmlformats.org/presentationml/2006/main" xmlns:r="http://schemas.openxmlformats.org/officeDocument/2006/relationships" xmlns:p14="http://schemas.microsoft.com/office/powerpoint/2010/main" xmlns:p15="http://schemas.microsoft.com/office/powerpoint/2012/main" xmlns:mc="http://schemas.openxmlformats.org/markup-compatibility/2006" type="blank" preserve="1">
+<p:sldLayout xmlns:a="http://schemas.openxmlformats.org/drawingml/2006/main" xmlns:r="http://schemas.openxmlformats.org/officeDocument/2006/relationships" xmlns:p="http://schemas.openxmlformats.org/presentationml/2006/main" type="blank" preserve="1">
   <p:cSld name="Title, 6 Content">
     <p:spTree>
       <p:nvGrpSpPr>
@@ -359,12 +471,13 @@
           </a:prstGeom>
         </p:spPr>
         <p:txBody>
-          <a:bodyPr lIns="0" rIns="0" tIns="0" bIns="0" anchor="ctr">
+          <a:bodyPr lIns="0" tIns="0" rIns="0" bIns="0" anchor="ctr">
             <a:noAutofit/>
           </a:bodyPr>
+          <a:lstStyle/>
           <a:p>
             <a:pPr algn="ctr"/>
-            <a:endParaRPr b="0" lang="en-GB" sz="4400" spc="-1" strike="noStrike">
+            <a:endParaRPr lang="en-GB" sz="4400" b="0" strike="noStrike" spc="-1">
               <a:latin typeface="Arial"/>
             </a:endParaRPr>
           </a:p>
@@ -390,11 +503,12 @@
           </a:prstGeom>
         </p:spPr>
         <p:txBody>
-          <a:bodyPr lIns="0" rIns="0" tIns="0" bIns="0">
+          <a:bodyPr lIns="0" tIns="0" rIns="0" bIns="0">
             <a:normAutofit/>
           </a:bodyPr>
+          <a:lstStyle/>
           <a:p>
-            <a:endParaRPr b="0" lang="en-GB" sz="3200" spc="-1" strike="noStrike">
+            <a:endParaRPr lang="en-GB" sz="3200" b="0" strike="noStrike" spc="-1">
               <a:latin typeface="Arial"/>
             </a:endParaRPr>
           </a:p>
@@ -420,11 +534,12 @@
           </a:prstGeom>
         </p:spPr>
         <p:txBody>
-          <a:bodyPr lIns="0" rIns="0" tIns="0" bIns="0">
+          <a:bodyPr lIns="0" tIns="0" rIns="0" bIns="0">
             <a:normAutofit/>
           </a:bodyPr>
+          <a:lstStyle/>
           <a:p>
-            <a:endParaRPr b="0" lang="en-GB" sz="3200" spc="-1" strike="noStrike">
+            <a:endParaRPr lang="en-GB" sz="3200" b="0" strike="noStrike" spc="-1">
               <a:latin typeface="Arial"/>
             </a:endParaRPr>
           </a:p>
@@ -450,11 +565,12 @@
           </a:prstGeom>
         </p:spPr>
         <p:txBody>
-          <a:bodyPr lIns="0" rIns="0" tIns="0" bIns="0">
+          <a:bodyPr lIns="0" tIns="0" rIns="0" bIns="0">
             <a:normAutofit/>
           </a:bodyPr>
+          <a:lstStyle/>
           <a:p>
-            <a:endParaRPr b="0" lang="en-GB" sz="3200" spc="-1" strike="noStrike">
+            <a:endParaRPr lang="en-GB" sz="3200" b="0" strike="noStrike" spc="-1">
               <a:latin typeface="Arial"/>
             </a:endParaRPr>
           </a:p>
@@ -480,11 +596,12 @@
           </a:prstGeom>
         </p:spPr>
         <p:txBody>
-          <a:bodyPr lIns="0" rIns="0" tIns="0" bIns="0">
+          <a:bodyPr lIns="0" tIns="0" rIns="0" bIns="0">
             <a:normAutofit/>
           </a:bodyPr>
+          <a:lstStyle/>
           <a:p>
-            <a:endParaRPr b="0" lang="en-GB" sz="3200" spc="-1" strike="noStrike">
+            <a:endParaRPr lang="en-GB" sz="3200" b="0" strike="noStrike" spc="-1">
               <a:latin typeface="Arial"/>
             </a:endParaRPr>
           </a:p>
@@ -510,11 +627,12 @@
           </a:prstGeom>
         </p:spPr>
         <p:txBody>
-          <a:bodyPr lIns="0" rIns="0" tIns="0" bIns="0">
+          <a:bodyPr lIns="0" tIns="0" rIns="0" bIns="0">
             <a:normAutofit/>
           </a:bodyPr>
+          <a:lstStyle/>
           <a:p>
-            <a:endParaRPr b="0" lang="en-GB" sz="3200" spc="-1" strike="noStrike">
+            <a:endParaRPr lang="en-GB" sz="3200" b="0" strike="noStrike" spc="-1">
               <a:latin typeface="Arial"/>
             </a:endParaRPr>
           </a:p>
@@ -540,11 +658,12 @@
           </a:prstGeom>
         </p:spPr>
         <p:txBody>
-          <a:bodyPr lIns="0" rIns="0" tIns="0" bIns="0">
+          <a:bodyPr lIns="0" tIns="0" rIns="0" bIns="0">
             <a:normAutofit/>
           </a:bodyPr>
+          <a:lstStyle/>
           <a:p>
-            <a:endParaRPr b="0" lang="en-GB" sz="3200" spc="-1" strike="noStrike">
+            <a:endParaRPr lang="en-GB" sz="3200" b="0" strike="noStrike" spc="-1">
               <a:latin typeface="Arial"/>
             </a:endParaRPr>
           </a:p>
@@ -552,11 +671,14 @@
       </p:sp>
     </p:spTree>
   </p:cSld>
+  <p:clrMapOvr>
+    <a:masterClrMapping/>
+  </p:clrMapOvr>
 </p:sldLayout>
 </file>
 
 <file path=ppt/slideLayouts/slideLayout2.xml><?xml version="1.0" encoding="utf-8"?>
-<p:sldLayout xmlns:a="http://schemas.openxmlformats.org/drawingml/2006/main" xmlns:p="http://schemas.openxmlformats.org/presentationml/2006/main" xmlns:r="http://schemas.openxmlformats.org/officeDocument/2006/relationships" xmlns:p14="http://schemas.microsoft.com/office/powerpoint/2010/main" xmlns:p15="http://schemas.microsoft.com/office/powerpoint/2012/main" xmlns:mc="http://schemas.openxmlformats.org/markup-compatibility/2006" type="tx" preserve="1">
+<p:sldLayout xmlns:a="http://schemas.openxmlformats.org/drawingml/2006/main" xmlns:r="http://schemas.openxmlformats.org/officeDocument/2006/relationships" xmlns:p="http://schemas.openxmlformats.org/presentationml/2006/main" type="tx" preserve="1">
   <p:cSld name="Title Slide">
     <p:spTree>
       <p:nvGrpSpPr>
@@ -592,12 +714,13 @@
           </a:prstGeom>
         </p:spPr>
         <p:txBody>
-          <a:bodyPr lIns="0" rIns="0" tIns="0" bIns="0" anchor="ctr">
+          <a:bodyPr lIns="0" tIns="0" rIns="0" bIns="0" anchor="ctr">
             <a:noAutofit/>
           </a:bodyPr>
+          <a:lstStyle/>
           <a:p>
             <a:pPr algn="ctr"/>
-            <a:endParaRPr b="0" lang="en-GB" sz="4400" spc="-1" strike="noStrike">
+            <a:endParaRPr lang="en-GB" sz="4400" b="0" strike="noStrike" spc="-1">
               <a:latin typeface="Arial"/>
             </a:endParaRPr>
           </a:p>
@@ -623,12 +746,13 @@
           </a:prstGeom>
         </p:spPr>
         <p:txBody>
-          <a:bodyPr lIns="0" rIns="0" tIns="0" bIns="0" anchor="ctr">
+          <a:bodyPr lIns="0" tIns="0" rIns="0" bIns="0" anchor="ctr">
             <a:noAutofit/>
           </a:bodyPr>
+          <a:lstStyle/>
           <a:p>
             <a:pPr algn="ctr"/>
-            <a:endParaRPr b="0" lang="en-GB" sz="3200" spc="-1" strike="noStrike">
+            <a:endParaRPr lang="en-GB" sz="3200" b="0" strike="noStrike" spc="-1">
               <a:latin typeface="Arial"/>
             </a:endParaRPr>
           </a:p>
@@ -636,11 +760,14 @@
       </p:sp>
     </p:spTree>
   </p:cSld>
+  <p:clrMapOvr>
+    <a:masterClrMapping/>
+  </p:clrMapOvr>
 </p:sldLayout>
 </file>
 
 <file path=ppt/slideLayouts/slideLayout3.xml><?xml version="1.0" encoding="utf-8"?>
-<p:sldLayout xmlns:a="http://schemas.openxmlformats.org/drawingml/2006/main" xmlns:p="http://schemas.openxmlformats.org/presentationml/2006/main" xmlns:r="http://schemas.openxmlformats.org/officeDocument/2006/relationships" xmlns:p14="http://schemas.microsoft.com/office/powerpoint/2010/main" xmlns:p15="http://schemas.microsoft.com/office/powerpoint/2012/main" xmlns:mc="http://schemas.openxmlformats.org/markup-compatibility/2006" type="obj" preserve="1">
+<p:sldLayout xmlns:a="http://schemas.openxmlformats.org/drawingml/2006/main" xmlns:r="http://schemas.openxmlformats.org/officeDocument/2006/relationships" xmlns:p="http://schemas.openxmlformats.org/presentationml/2006/main" type="obj" preserve="1">
   <p:cSld name="Title, Content">
     <p:spTree>
       <p:nvGrpSpPr>
@@ -676,12 +803,13 @@
           </a:prstGeom>
         </p:spPr>
         <p:txBody>
-          <a:bodyPr lIns="0" rIns="0" tIns="0" bIns="0" anchor="ctr">
+          <a:bodyPr lIns="0" tIns="0" rIns="0" bIns="0" anchor="ctr">
             <a:noAutofit/>
           </a:bodyPr>
+          <a:lstStyle/>
           <a:p>
             <a:pPr algn="ctr"/>
-            <a:endParaRPr b="0" lang="en-GB" sz="4400" spc="-1" strike="noStrike">
+            <a:endParaRPr lang="en-GB" sz="4400" b="0" strike="noStrike" spc="-1">
               <a:latin typeface="Arial"/>
             </a:endParaRPr>
           </a:p>
@@ -707,11 +835,12 @@
           </a:prstGeom>
         </p:spPr>
         <p:txBody>
-          <a:bodyPr lIns="0" rIns="0" tIns="0" bIns="0">
+          <a:bodyPr lIns="0" tIns="0" rIns="0" bIns="0">
             <a:normAutofit/>
           </a:bodyPr>
+          <a:lstStyle/>
           <a:p>
-            <a:endParaRPr b="0" lang="en-GB" sz="3200" spc="-1" strike="noStrike">
+            <a:endParaRPr lang="en-GB" sz="3200" b="0" strike="noStrike" spc="-1">
               <a:latin typeface="Arial"/>
             </a:endParaRPr>
           </a:p>
@@ -719,11 +848,14 @@
       </p:sp>
     </p:spTree>
   </p:cSld>
+  <p:clrMapOvr>
+    <a:masterClrMapping/>
+  </p:clrMapOvr>
 </p:sldLayout>
 </file>
 
 <file path=ppt/slideLayouts/slideLayout4.xml><?xml version="1.0" encoding="utf-8"?>
-<p:sldLayout xmlns:a="http://schemas.openxmlformats.org/drawingml/2006/main" xmlns:p="http://schemas.openxmlformats.org/presentationml/2006/main" xmlns:r="http://schemas.openxmlformats.org/officeDocument/2006/relationships" xmlns:p14="http://schemas.microsoft.com/office/powerpoint/2010/main" xmlns:p15="http://schemas.microsoft.com/office/powerpoint/2012/main" xmlns:mc="http://schemas.openxmlformats.org/markup-compatibility/2006" type="twoObj" preserve="1">
+<p:sldLayout xmlns:a="http://schemas.openxmlformats.org/drawingml/2006/main" xmlns:r="http://schemas.openxmlformats.org/officeDocument/2006/relationships" xmlns:p="http://schemas.openxmlformats.org/presentationml/2006/main" type="twoObj" preserve="1">
   <p:cSld name="Title, 2 Content">
     <p:spTree>
       <p:nvGrpSpPr>
@@ -759,12 +891,13 @@
           </a:prstGeom>
         </p:spPr>
         <p:txBody>
-          <a:bodyPr lIns="0" rIns="0" tIns="0" bIns="0" anchor="ctr">
+          <a:bodyPr lIns="0" tIns="0" rIns="0" bIns="0" anchor="ctr">
             <a:noAutofit/>
           </a:bodyPr>
+          <a:lstStyle/>
           <a:p>
             <a:pPr algn="ctr"/>
-            <a:endParaRPr b="0" lang="en-GB" sz="4400" spc="-1" strike="noStrike">
+            <a:endParaRPr lang="en-GB" sz="4400" b="0" strike="noStrike" spc="-1">
               <a:latin typeface="Arial"/>
             </a:endParaRPr>
           </a:p>
@@ -790,11 +923,12 @@
           </a:prstGeom>
         </p:spPr>
         <p:txBody>
-          <a:bodyPr lIns="0" rIns="0" tIns="0" bIns="0">
+          <a:bodyPr lIns="0" tIns="0" rIns="0" bIns="0">
             <a:normAutofit/>
           </a:bodyPr>
+          <a:lstStyle/>
           <a:p>
-            <a:endParaRPr b="0" lang="en-GB" sz="3200" spc="-1" strike="noStrike">
+            <a:endParaRPr lang="en-GB" sz="3200" b="0" strike="noStrike" spc="-1">
               <a:latin typeface="Arial"/>
             </a:endParaRPr>
           </a:p>
@@ -820,11 +954,12 @@
           </a:prstGeom>
         </p:spPr>
         <p:txBody>
-          <a:bodyPr lIns="0" rIns="0" tIns="0" bIns="0">
+          <a:bodyPr lIns="0" tIns="0" rIns="0" bIns="0">
             <a:normAutofit/>
           </a:bodyPr>
+          <a:lstStyle/>
           <a:p>
-            <a:endParaRPr b="0" lang="en-GB" sz="3200" spc="-1" strike="noStrike">
+            <a:endParaRPr lang="en-GB" sz="3200" b="0" strike="noStrike" spc="-1">
               <a:latin typeface="Arial"/>
             </a:endParaRPr>
           </a:p>
@@ -832,11 +967,14 @@
       </p:sp>
     </p:spTree>
   </p:cSld>
+  <p:clrMapOvr>
+    <a:masterClrMapping/>
+  </p:clrMapOvr>
 </p:sldLayout>
 </file>
 
 <file path=ppt/slideLayouts/slideLayout5.xml><?xml version="1.0" encoding="utf-8"?>
-<p:sldLayout xmlns:a="http://schemas.openxmlformats.org/drawingml/2006/main" xmlns:p="http://schemas.openxmlformats.org/presentationml/2006/main" xmlns:r="http://schemas.openxmlformats.org/officeDocument/2006/relationships" xmlns:p14="http://schemas.microsoft.com/office/powerpoint/2010/main" xmlns:p15="http://schemas.microsoft.com/office/powerpoint/2012/main" xmlns:mc="http://schemas.openxmlformats.org/markup-compatibility/2006" type="titleOnly" preserve="1">
+<p:sldLayout xmlns:a="http://schemas.openxmlformats.org/drawingml/2006/main" xmlns:r="http://schemas.openxmlformats.org/officeDocument/2006/relationships" xmlns:p="http://schemas.openxmlformats.org/presentationml/2006/main" type="titleOnly" preserve="1">
   <p:cSld name="Title Only">
     <p:spTree>
       <p:nvGrpSpPr>
@@ -872,12 +1010,13 @@
           </a:prstGeom>
         </p:spPr>
         <p:txBody>
-          <a:bodyPr lIns="0" rIns="0" tIns="0" bIns="0" anchor="ctr">
+          <a:bodyPr lIns="0" tIns="0" rIns="0" bIns="0" anchor="ctr">
             <a:noAutofit/>
           </a:bodyPr>
+          <a:lstStyle/>
           <a:p>
             <a:pPr algn="ctr"/>
-            <a:endParaRPr b="0" lang="en-GB" sz="4400" spc="-1" strike="noStrike">
+            <a:endParaRPr lang="en-GB" sz="4400" b="0" strike="noStrike" spc="-1">
               <a:latin typeface="Arial"/>
             </a:endParaRPr>
           </a:p>
@@ -885,11 +1024,14 @@
       </p:sp>
     </p:spTree>
   </p:cSld>
+  <p:clrMapOvr>
+    <a:masterClrMapping/>
+  </p:clrMapOvr>
 </p:sldLayout>
 </file>
 
 <file path=ppt/slideLayouts/slideLayout6.xml><?xml version="1.0" encoding="utf-8"?>
-<p:sldLayout xmlns:a="http://schemas.openxmlformats.org/drawingml/2006/main" xmlns:p="http://schemas.openxmlformats.org/presentationml/2006/main" xmlns:r="http://schemas.openxmlformats.org/officeDocument/2006/relationships" xmlns:p14="http://schemas.microsoft.com/office/powerpoint/2010/main" xmlns:p15="http://schemas.microsoft.com/office/powerpoint/2012/main" xmlns:mc="http://schemas.openxmlformats.org/markup-compatibility/2006" type="objOnly" preserve="1">
+<p:sldLayout xmlns:a="http://schemas.openxmlformats.org/drawingml/2006/main" xmlns:r="http://schemas.openxmlformats.org/officeDocument/2006/relationships" xmlns:p="http://schemas.openxmlformats.org/presentationml/2006/main" type="objOnly" preserve="1">
   <p:cSld name="Centered Text">
     <p:spTree>
       <p:nvGrpSpPr>
@@ -925,12 +1067,13 @@
           </a:prstGeom>
         </p:spPr>
         <p:txBody>
-          <a:bodyPr lIns="0" rIns="0" tIns="0" bIns="0" anchor="ctr">
+          <a:bodyPr lIns="0" tIns="0" rIns="0" bIns="0" anchor="ctr">
             <a:noAutofit/>
           </a:bodyPr>
+          <a:lstStyle/>
           <a:p>
             <a:pPr algn="ctr"/>
-            <a:endParaRPr b="0" lang="en-GB" sz="3200" spc="-1" strike="noStrike">
+            <a:endParaRPr lang="en-GB" sz="3200" b="0" strike="noStrike" spc="-1">
               <a:latin typeface="Arial"/>
             </a:endParaRPr>
           </a:p>
@@ -938,11 +1081,14 @@
       </p:sp>
     </p:spTree>
   </p:cSld>
+  <p:clrMapOvr>
+    <a:masterClrMapping/>
+  </p:clrMapOvr>
 </p:sldLayout>
 </file>
 
 <file path=ppt/slideLayouts/slideLayout7.xml><?xml version="1.0" encoding="utf-8"?>
-<p:sldLayout xmlns:a="http://schemas.openxmlformats.org/drawingml/2006/main" xmlns:p="http://schemas.openxmlformats.org/presentationml/2006/main" xmlns:r="http://schemas.openxmlformats.org/officeDocument/2006/relationships" xmlns:p14="http://schemas.microsoft.com/office/powerpoint/2010/main" xmlns:p15="http://schemas.microsoft.com/office/powerpoint/2012/main" xmlns:mc="http://schemas.openxmlformats.org/markup-compatibility/2006" type="twoObjAndObj" preserve="1">
+<p:sldLayout xmlns:a="http://schemas.openxmlformats.org/drawingml/2006/main" xmlns:r="http://schemas.openxmlformats.org/officeDocument/2006/relationships" xmlns:p="http://schemas.openxmlformats.org/presentationml/2006/main" type="twoObjAndObj" preserve="1">
   <p:cSld name="Title, 2 Content and Content">
     <p:spTree>
       <p:nvGrpSpPr>
@@ -978,12 +1124,13 @@
           </a:prstGeom>
         </p:spPr>
         <p:txBody>
-          <a:bodyPr lIns="0" rIns="0" tIns="0" bIns="0" anchor="ctr">
+          <a:bodyPr lIns="0" tIns="0" rIns="0" bIns="0" anchor="ctr">
             <a:noAutofit/>
           </a:bodyPr>
+          <a:lstStyle/>
           <a:p>
             <a:pPr algn="ctr"/>
-            <a:endParaRPr b="0" lang="en-GB" sz="4400" spc="-1" strike="noStrike">
+            <a:endParaRPr lang="en-GB" sz="4400" b="0" strike="noStrike" spc="-1">
               <a:latin typeface="Arial"/>
             </a:endParaRPr>
           </a:p>
@@ -1009,11 +1156,12 @@
           </a:prstGeom>
         </p:spPr>
         <p:txBody>
-          <a:bodyPr lIns="0" rIns="0" tIns="0" bIns="0">
+          <a:bodyPr lIns="0" tIns="0" rIns="0" bIns="0">
             <a:normAutofit/>
           </a:bodyPr>
+          <a:lstStyle/>
           <a:p>
-            <a:endParaRPr b="0" lang="en-GB" sz="3200" spc="-1" strike="noStrike">
+            <a:endParaRPr lang="en-GB" sz="3200" b="0" strike="noStrike" spc="-1">
               <a:latin typeface="Arial"/>
             </a:endParaRPr>
           </a:p>
@@ -1039,11 +1187,12 @@
           </a:prstGeom>
         </p:spPr>
         <p:txBody>
-          <a:bodyPr lIns="0" rIns="0" tIns="0" bIns="0">
+          <a:bodyPr lIns="0" tIns="0" rIns="0" bIns="0">
             <a:normAutofit/>
           </a:bodyPr>
+          <a:lstStyle/>
           <a:p>
-            <a:endParaRPr b="0" lang="en-GB" sz="3200" spc="-1" strike="noStrike">
+            <a:endParaRPr lang="en-GB" sz="3200" b="0" strike="noStrike" spc="-1">
               <a:latin typeface="Arial"/>
             </a:endParaRPr>
           </a:p>
@@ -1069,11 +1218,12 @@
           </a:prstGeom>
         </p:spPr>
         <p:txBody>
-          <a:bodyPr lIns="0" rIns="0" tIns="0" bIns="0">
+          <a:bodyPr lIns="0" tIns="0" rIns="0" bIns="0">
             <a:normAutofit/>
           </a:bodyPr>
+          <a:lstStyle/>
           <a:p>
-            <a:endParaRPr b="0" lang="en-GB" sz="3200" spc="-1" strike="noStrike">
+            <a:endParaRPr lang="en-GB" sz="3200" b="0" strike="noStrike" spc="-1">
               <a:latin typeface="Arial"/>
             </a:endParaRPr>
           </a:p>
@@ -1081,11 +1231,14 @@
       </p:sp>
     </p:spTree>
   </p:cSld>
+  <p:clrMapOvr>
+    <a:masterClrMapping/>
+  </p:clrMapOvr>
 </p:sldLayout>
 </file>
 
 <file path=ppt/slideLayouts/slideLayout8.xml><?xml version="1.0" encoding="utf-8"?>
-<p:sldLayout xmlns:a="http://schemas.openxmlformats.org/drawingml/2006/main" xmlns:p="http://schemas.openxmlformats.org/presentationml/2006/main" xmlns:r="http://schemas.openxmlformats.org/officeDocument/2006/relationships" xmlns:p14="http://schemas.microsoft.com/office/powerpoint/2010/main" xmlns:p15="http://schemas.microsoft.com/office/powerpoint/2012/main" xmlns:mc="http://schemas.openxmlformats.org/markup-compatibility/2006" type="objAndTwoObj" preserve="1">
+<p:sldLayout xmlns:a="http://schemas.openxmlformats.org/drawingml/2006/main" xmlns:r="http://schemas.openxmlformats.org/officeDocument/2006/relationships" xmlns:p="http://schemas.openxmlformats.org/presentationml/2006/main" type="objAndTwoObj" preserve="1">
   <p:cSld name="Title Content and 2 Content">
     <p:spTree>
       <p:nvGrpSpPr>
@@ -1121,12 +1274,13 @@
           </a:prstGeom>
         </p:spPr>
         <p:txBody>
-          <a:bodyPr lIns="0" rIns="0" tIns="0" bIns="0" anchor="ctr">
+          <a:bodyPr lIns="0" tIns="0" rIns="0" bIns="0" anchor="ctr">
             <a:noAutofit/>
           </a:bodyPr>
+          <a:lstStyle/>
           <a:p>
             <a:pPr algn="ctr"/>
-            <a:endParaRPr b="0" lang="en-GB" sz="4400" spc="-1" strike="noStrike">
+            <a:endParaRPr lang="en-GB" sz="4400" b="0" strike="noStrike" spc="-1">
               <a:latin typeface="Arial"/>
             </a:endParaRPr>
           </a:p>
@@ -1152,11 +1306,12 @@
           </a:prstGeom>
         </p:spPr>
         <p:txBody>
-          <a:bodyPr lIns="0" rIns="0" tIns="0" bIns="0">
+          <a:bodyPr lIns="0" tIns="0" rIns="0" bIns="0">
             <a:normAutofit/>
           </a:bodyPr>
+          <a:lstStyle/>
           <a:p>
-            <a:endParaRPr b="0" lang="en-GB" sz="3200" spc="-1" strike="noStrike">
+            <a:endParaRPr lang="en-GB" sz="3200" b="0" strike="noStrike" spc="-1">
               <a:latin typeface="Arial"/>
             </a:endParaRPr>
           </a:p>
@@ -1182,11 +1337,12 @@
           </a:prstGeom>
         </p:spPr>
         <p:txBody>
-          <a:bodyPr lIns="0" rIns="0" tIns="0" bIns="0">
+          <a:bodyPr lIns="0" tIns="0" rIns="0" bIns="0">
             <a:normAutofit/>
           </a:bodyPr>
+          <a:lstStyle/>
           <a:p>
-            <a:endParaRPr b="0" lang="en-GB" sz="3200" spc="-1" strike="noStrike">
+            <a:endParaRPr lang="en-GB" sz="3200" b="0" strike="noStrike" spc="-1">
               <a:latin typeface="Arial"/>
             </a:endParaRPr>
           </a:p>
@@ -1212,11 +1368,12 @@
           </a:prstGeom>
         </p:spPr>
         <p:txBody>
-          <a:bodyPr lIns="0" rIns="0" tIns="0" bIns="0">
+          <a:bodyPr lIns="0" tIns="0" rIns="0" bIns="0">
             <a:normAutofit/>
           </a:bodyPr>
+          <a:lstStyle/>
           <a:p>
-            <a:endParaRPr b="0" lang="en-GB" sz="3200" spc="-1" strike="noStrike">
+            <a:endParaRPr lang="en-GB" sz="3200" b="0" strike="noStrike" spc="-1">
               <a:latin typeface="Arial"/>
             </a:endParaRPr>
           </a:p>
@@ -1224,11 +1381,14 @@
       </p:sp>
     </p:spTree>
   </p:cSld>
+  <p:clrMapOvr>
+    <a:masterClrMapping/>
+  </p:clrMapOvr>
 </p:sldLayout>
 </file>
 
 <file path=ppt/slideLayouts/slideLayout9.xml><?xml version="1.0" encoding="utf-8"?>
-<p:sldLayout xmlns:a="http://schemas.openxmlformats.org/drawingml/2006/main" xmlns:p="http://schemas.openxmlformats.org/presentationml/2006/main" xmlns:r="http://schemas.openxmlformats.org/officeDocument/2006/relationships" xmlns:p14="http://schemas.microsoft.com/office/powerpoint/2010/main" xmlns:p15="http://schemas.microsoft.com/office/powerpoint/2012/main" xmlns:mc="http://schemas.openxmlformats.org/markup-compatibility/2006" type="twoObjOverTx" preserve="1">
+<p:sldLayout xmlns:a="http://schemas.openxmlformats.org/drawingml/2006/main" xmlns:r="http://schemas.openxmlformats.org/officeDocument/2006/relationships" xmlns:p="http://schemas.openxmlformats.org/presentationml/2006/main" type="twoObjOverTx" preserve="1">
   <p:cSld name="Title, 2 Content over Content">
     <p:spTree>
       <p:nvGrpSpPr>
@@ -1264,12 +1424,13 @@
           </a:prstGeom>
         </p:spPr>
         <p:txBody>
-          <a:bodyPr lIns="0" rIns="0" tIns="0" bIns="0" anchor="ctr">
+          <a:bodyPr lIns="0" tIns="0" rIns="0" bIns="0" anchor="ctr">
             <a:noAutofit/>
           </a:bodyPr>
+          <a:lstStyle/>
           <a:p>
             <a:pPr algn="ctr"/>
-            <a:endParaRPr b="0" lang="en-GB" sz="4400" spc="-1" strike="noStrike">
+            <a:endParaRPr lang="en-GB" sz="4400" b="0" strike="noStrike" spc="-1">
               <a:latin typeface="Arial"/>
             </a:endParaRPr>
           </a:p>
@@ -1295,11 +1456,12 @@
           </a:prstGeom>
         </p:spPr>
         <p:txBody>
-          <a:bodyPr lIns="0" rIns="0" tIns="0" bIns="0">
+          <a:bodyPr lIns="0" tIns="0" rIns="0" bIns="0">
             <a:normAutofit/>
           </a:bodyPr>
+          <a:lstStyle/>
           <a:p>
-            <a:endParaRPr b="0" lang="en-GB" sz="3200" spc="-1" strike="noStrike">
+            <a:endParaRPr lang="en-GB" sz="3200" b="0" strike="noStrike" spc="-1">
               <a:latin typeface="Arial"/>
             </a:endParaRPr>
           </a:p>
@@ -1325,11 +1487,12 @@
           </a:prstGeom>
         </p:spPr>
         <p:txBody>
-          <a:bodyPr lIns="0" rIns="0" tIns="0" bIns="0">
+          <a:bodyPr lIns="0" tIns="0" rIns="0" bIns="0">
             <a:normAutofit/>
           </a:bodyPr>
+          <a:lstStyle/>
           <a:p>
-            <a:endParaRPr b="0" lang="en-GB" sz="3200" spc="-1" strike="noStrike">
+            <a:endParaRPr lang="en-GB" sz="3200" b="0" strike="noStrike" spc="-1">
               <a:latin typeface="Arial"/>
             </a:endParaRPr>
           </a:p>
@@ -1355,11 +1518,12 @@
           </a:prstGeom>
         </p:spPr>
         <p:txBody>
-          <a:bodyPr lIns="0" rIns="0" tIns="0" bIns="0">
+          <a:bodyPr lIns="0" tIns="0" rIns="0" bIns="0">
             <a:normAutofit/>
           </a:bodyPr>
+          <a:lstStyle/>
           <a:p>
-            <a:endParaRPr b="0" lang="en-GB" sz="3200" spc="-1" strike="noStrike">
+            <a:endParaRPr lang="en-GB" sz="3200" b="0" strike="noStrike" spc="-1">
               <a:latin typeface="Arial"/>
             </a:endParaRPr>
           </a:p>
@@ -1367,12 +1531,20 @@
       </p:sp>
     </p:spTree>
   </p:cSld>
+  <p:clrMapOvr>
+    <a:masterClrMapping/>
+  </p:clrMapOvr>
 </p:sldLayout>
 </file>
 
 <file path=ppt/slideMasters/slideMaster1.xml><?xml version="1.0" encoding="utf-8"?>
-<p:sldMaster xmlns:a="http://schemas.openxmlformats.org/drawingml/2006/main" xmlns:p="http://schemas.openxmlformats.org/presentationml/2006/main" xmlns:r="http://schemas.openxmlformats.org/officeDocument/2006/relationships" xmlns:p14="http://schemas.microsoft.com/office/powerpoint/2010/main" xmlns:p15="http://schemas.microsoft.com/office/powerpoint/2012/main" xmlns:mc="http://schemas.openxmlformats.org/markup-compatibility/2006">
+<p:sldMaster xmlns:a="http://schemas.openxmlformats.org/drawingml/2006/main" xmlns:r="http://schemas.openxmlformats.org/officeDocument/2006/relationships" xmlns:p="http://schemas.openxmlformats.org/presentationml/2006/main">
   <p:cSld>
+    <p:bg>
+      <p:bgRef idx="1001">
+        <a:schemeClr val="bg1"/>
+      </p:bgRef>
+    </p:bg>
     <p:spTree>
       <p:nvGrpSpPr>
         <p:cNvPr id="1" name=""/>
@@ -1389,7 +1561,7 @@
       </p:grpSpPr>
       <p:sp>
         <p:nvSpPr>
-          <p:cNvPr id="0" name="PlaceHolder 1"/>
+          <p:cNvPr id="5" name="PlaceHolder 1"/>
           <p:cNvSpPr>
             <a:spLocks noGrp="1"/>
           </p:cNvSpPr>
@@ -1407,44 +1579,24 @@
           </a:prstGeom>
         </p:spPr>
         <p:txBody>
-          <a:bodyPr lIns="0" rIns="0" tIns="0" bIns="0" anchor="ctr">
+          <a:bodyPr lIns="0" tIns="0" rIns="0" bIns="0" anchor="ctr">
             <a:noAutofit/>
           </a:bodyPr>
+          <a:lstStyle/>
           <a:p>
             <a:pPr algn="ctr"/>
             <a:r>
-              <a:rPr b="0" lang="en-GB" sz="4400" spc="-1" strike="noStrike">
+              <a:rPr lang="en-GB" sz="4400" b="0" strike="noStrike" spc="-1">
                 <a:latin typeface="Arial"/>
               </a:rPr>
-              <a:t>Click to </a:t>
+              <a:t>Click to edit the title text format</a:t>
             </a:r>
-            <a:r>
-              <a:rPr b="0" lang="en-GB" sz="4400" spc="-1" strike="noStrike">
-                <a:latin typeface="Arial"/>
-              </a:rPr>
-              <a:t>edit the </a:t>
-            </a:r>
-            <a:r>
-              <a:rPr b="0" lang="en-GB" sz="4400" spc="-1" strike="noStrike">
-                <a:latin typeface="Arial"/>
-              </a:rPr>
-              <a:t>title text </a:t>
-            </a:r>
-            <a:r>
-              <a:rPr b="0" lang="en-GB" sz="4400" spc="-1" strike="noStrike">
-                <a:latin typeface="Arial"/>
-              </a:rPr>
-              <a:t>format</a:t>
-            </a:r>
-            <a:endParaRPr b="0" lang="en-GB" sz="4400" spc="-1" strike="noStrike">
-              <a:latin typeface="Arial"/>
-            </a:endParaRPr>
           </a:p>
         </p:txBody>
       </p:sp>
       <p:sp>
         <p:nvSpPr>
-          <p:cNvPr id="1" name="PlaceHolder 2"/>
+          <p:cNvPr id="6" name="PlaceHolder 2"/>
           <p:cNvSpPr>
             <a:spLocks noGrp="1"/>
           </p:cNvSpPr>
@@ -1462,9 +1614,10 @@
           </a:prstGeom>
         </p:spPr>
         <p:txBody>
-          <a:bodyPr lIns="0" rIns="0" tIns="0" bIns="0">
+          <a:bodyPr lIns="0" tIns="0" rIns="0" bIns="0">
             <a:normAutofit/>
           </a:bodyPr>
+          <a:lstStyle/>
           <a:p>
             <a:pPr marL="432000" indent="-324000">
               <a:spcBef>
@@ -1478,17 +1631,14 @@
               <a:buChar char=""/>
             </a:pPr>
             <a:r>
-              <a:rPr b="0" lang="en-GB" sz="3200" spc="-1" strike="noStrike">
+              <a:rPr lang="en-GB" sz="3200" b="0" strike="noStrike" spc="-1">
                 <a:latin typeface="Arial"/>
               </a:rPr>
               <a:t>Click to edit the outline text format</a:t>
             </a:r>
-            <a:endParaRPr b="0" lang="en-GB" sz="3200" spc="-1" strike="noStrike">
-              <a:latin typeface="Arial"/>
-            </a:endParaRPr>
           </a:p>
           <a:p>
-            <a:pPr lvl="1" marL="864000" indent="-324000">
+            <a:pPr marL="864000" lvl="1" indent="-324000">
               <a:spcBef>
                 <a:spcPts val="1134"/>
               </a:spcBef>
@@ -1500,17 +1650,14 @@
               <a:buChar char=""/>
             </a:pPr>
             <a:r>
-              <a:rPr b="0" lang="en-GB" sz="2800" spc="-1" strike="noStrike">
+              <a:rPr lang="en-GB" sz="2800" b="0" strike="noStrike" spc="-1">
                 <a:latin typeface="Arial"/>
               </a:rPr>
               <a:t>Second Outline Level</a:t>
             </a:r>
-            <a:endParaRPr b="0" lang="en-GB" sz="2800" spc="-1" strike="noStrike">
-              <a:latin typeface="Arial"/>
-            </a:endParaRPr>
           </a:p>
           <a:p>
-            <a:pPr lvl="2" marL="1296000" indent="-288000">
+            <a:pPr marL="1296000" lvl="2" indent="-288000">
               <a:spcBef>
                 <a:spcPts val="850"/>
               </a:spcBef>
@@ -1522,17 +1669,14 @@
               <a:buChar char=""/>
             </a:pPr>
             <a:r>
-              <a:rPr b="0" lang="en-GB" sz="2400" spc="-1" strike="noStrike">
+              <a:rPr lang="en-GB" sz="2400" b="0" strike="noStrike" spc="-1">
                 <a:latin typeface="Arial"/>
               </a:rPr>
               <a:t>Third Outline Level</a:t>
             </a:r>
-            <a:endParaRPr b="0" lang="en-GB" sz="2400" spc="-1" strike="noStrike">
-              <a:latin typeface="Arial"/>
-            </a:endParaRPr>
           </a:p>
           <a:p>
-            <a:pPr lvl="3" marL="1728000" indent="-216000">
+            <a:pPr marL="1728000" lvl="3" indent="-216000">
               <a:spcBef>
                 <a:spcPts val="567"/>
               </a:spcBef>
@@ -1544,17 +1688,14 @@
               <a:buChar char=""/>
             </a:pPr>
             <a:r>
-              <a:rPr b="0" lang="en-GB" sz="2000" spc="-1" strike="noStrike">
+              <a:rPr lang="en-GB" sz="2000" b="0" strike="noStrike" spc="-1">
                 <a:latin typeface="Arial"/>
               </a:rPr>
               <a:t>Fourth Outline Level</a:t>
             </a:r>
-            <a:endParaRPr b="0" lang="en-GB" sz="2000" spc="-1" strike="noStrike">
-              <a:latin typeface="Arial"/>
-            </a:endParaRPr>
           </a:p>
           <a:p>
-            <a:pPr lvl="4" marL="2160000" indent="-216000">
+            <a:pPr marL="2160000" lvl="4" indent="-216000">
               <a:spcBef>
                 <a:spcPts val="283"/>
               </a:spcBef>
@@ -1566,17 +1707,14 @@
               <a:buChar char=""/>
             </a:pPr>
             <a:r>
-              <a:rPr b="0" lang="en-GB" sz="2000" spc="-1" strike="noStrike">
+              <a:rPr lang="en-GB" sz="2000" b="0" strike="noStrike" spc="-1">
                 <a:latin typeface="Arial"/>
               </a:rPr>
               <a:t>Fifth Outline Level</a:t>
             </a:r>
-            <a:endParaRPr b="0" lang="en-GB" sz="2000" spc="-1" strike="noStrike">
-              <a:latin typeface="Arial"/>
-            </a:endParaRPr>
           </a:p>
           <a:p>
-            <a:pPr lvl="5" marL="2592000" indent="-216000">
+            <a:pPr marL="2592000" lvl="5" indent="-216000">
               <a:spcBef>
                 <a:spcPts val="283"/>
               </a:spcBef>
@@ -1588,17 +1726,14 @@
               <a:buChar char=""/>
             </a:pPr>
             <a:r>
-              <a:rPr b="0" lang="en-GB" sz="2000" spc="-1" strike="noStrike">
+              <a:rPr lang="en-GB" sz="2000" b="0" strike="noStrike" spc="-1">
                 <a:latin typeface="Arial"/>
               </a:rPr>
               <a:t>Sixth Outline Level</a:t>
             </a:r>
-            <a:endParaRPr b="0" lang="en-GB" sz="2000" spc="-1" strike="noStrike">
-              <a:latin typeface="Arial"/>
-            </a:endParaRPr>
           </a:p>
           <a:p>
-            <a:pPr lvl="6" marL="3024000" indent="-216000">
+            <a:pPr marL="3024000" lvl="6" indent="-216000">
               <a:spcBef>
                 <a:spcPts val="283"/>
               </a:spcBef>
@@ -1610,14 +1745,11 @@
               <a:buChar char=""/>
             </a:pPr>
             <a:r>
-              <a:rPr b="0" lang="en-GB" sz="2000" spc="-1" strike="noStrike">
+              <a:rPr lang="en-GB" sz="2000" b="0" strike="noStrike" spc="-1">
                 <a:latin typeface="Arial"/>
               </a:rPr>
               <a:t>Seventh Outline Level</a:t>
             </a:r>
-            <a:endParaRPr b="0" lang="en-GB" sz="2000" spc="-1" strike="noStrike">
-              <a:latin typeface="Arial"/>
-            </a:endParaRPr>
           </a:p>
         </p:txBody>
       </p:sp>
@@ -1641,19 +1773,17 @@
           </a:prstGeom>
         </p:spPr>
         <p:txBody>
-          <a:bodyPr lIns="0" rIns="0" tIns="0" bIns="0">
+          <a:bodyPr lIns="0" tIns="0" rIns="0" bIns="0">
             <a:noAutofit/>
           </a:bodyPr>
+          <a:lstStyle/>
           <a:p>
             <a:r>
-              <a:rPr b="0" lang="en-GB" sz="1400" spc="-1" strike="noStrike">
+              <a:rPr lang="en-GB" sz="1400" b="0" strike="noStrike" spc="-1">
                 <a:latin typeface="Times New Roman"/>
               </a:rPr>
               <a:t>&lt;date/time&gt;</a:t>
             </a:r>
-            <a:endParaRPr b="0" lang="en-GB" sz="1400" spc="-1" strike="noStrike">
-              <a:latin typeface="Times New Roman"/>
-            </a:endParaRPr>
           </a:p>
         </p:txBody>
       </p:sp>
@@ -1677,20 +1807,18 @@
           </a:prstGeom>
         </p:spPr>
         <p:txBody>
-          <a:bodyPr lIns="0" rIns="0" tIns="0" bIns="0">
+          <a:bodyPr lIns="0" tIns="0" rIns="0" bIns="0">
             <a:noAutofit/>
           </a:bodyPr>
+          <a:lstStyle/>
           <a:p>
             <a:pPr algn="ctr"/>
             <a:r>
-              <a:rPr b="0" lang="en-GB" sz="1400" spc="-1" strike="noStrike">
+              <a:rPr lang="en-GB" sz="1400" b="0" strike="noStrike" spc="-1">
                 <a:latin typeface="Times New Roman"/>
               </a:rPr>
               <a:t>&lt;footer&gt;</a:t>
             </a:r>
-            <a:endParaRPr b="0" lang="en-GB" sz="1400" spc="-1" strike="noStrike">
-              <a:latin typeface="Times New Roman"/>
-            </a:endParaRPr>
           </a:p>
         </p:txBody>
       </p:sp>
@@ -1714,18 +1842,19 @@
           </a:prstGeom>
         </p:spPr>
         <p:txBody>
-          <a:bodyPr lIns="0" rIns="0" tIns="0" bIns="0">
+          <a:bodyPr lIns="0" tIns="0" rIns="0" bIns="0">
             <a:noAutofit/>
           </a:bodyPr>
+          <a:lstStyle/>
           <a:p>
             <a:pPr algn="r"/>
             <a:fld id="{67DEF209-FC9A-4D2C-909A-2F1415A8161A}" type="slidenum">
-              <a:rPr b="0" lang="en-GB" sz="1400" spc="-1" strike="noStrike">
+              <a:rPr lang="en-GB" sz="1400" b="0" strike="noStrike" spc="-1">
                 <a:latin typeface="Times New Roman"/>
               </a:rPr>
-              <a:t>&lt;number&gt;</a:t>
+              <a:t>‹#›</a:t>
             </a:fld>
-            <a:endParaRPr b="0" lang="en-GB" sz="1400" spc="-1" strike="noStrike">
+            <a:endParaRPr lang="en-GB" sz="1400" b="0" strike="noStrike" spc="-1">
               <a:latin typeface="Times New Roman"/>
             </a:endParaRPr>
           </a:p>
@@ -1733,26 +1862,306 @@
       </p:sp>
     </p:spTree>
   </p:cSld>
-  <p:clrMap bg1="lt1" bg2="lt2" tx1="dk1" tx2="dk2" accent1="accent1" accent2="accent2" accent3="accent3" accent4="accent4" accent5="accent5" accent6="accent6" hlink="hlink" folHlink="folHlink"/>
+  <p:clrMap bg1="lt1" tx1="dk1" bg2="lt2" tx2="dk2" accent1="accent1" accent2="accent2" accent3="accent3" accent4="accent4" accent5="accent5" accent6="accent6" hlink="hlink" folHlink="folHlink"/>
   <p:sldLayoutIdLst>
-    <p:sldLayoutId id="2147483649" r:id="rId2"/>
-    <p:sldLayoutId id="2147483650" r:id="rId3"/>
-    <p:sldLayoutId id="2147483651" r:id="rId4"/>
-    <p:sldLayoutId id="2147483652" r:id="rId5"/>
-    <p:sldLayoutId id="2147483653" r:id="rId6"/>
-    <p:sldLayoutId id="2147483654" r:id="rId7"/>
-    <p:sldLayoutId id="2147483655" r:id="rId8"/>
-    <p:sldLayoutId id="2147483656" r:id="rId9"/>
-    <p:sldLayoutId id="2147483657" r:id="rId10"/>
-    <p:sldLayoutId id="2147483658" r:id="rId11"/>
-    <p:sldLayoutId id="2147483659" r:id="rId12"/>
-    <p:sldLayoutId id="2147483660" r:id="rId13"/>
+    <p:sldLayoutId id="2147483649" r:id="rId1"/>
+    <p:sldLayoutId id="2147483650" r:id="rId2"/>
+    <p:sldLayoutId id="2147483651" r:id="rId3"/>
+    <p:sldLayoutId id="2147483652" r:id="rId4"/>
+    <p:sldLayoutId id="2147483653" r:id="rId5"/>
+    <p:sldLayoutId id="2147483654" r:id="rId6"/>
+    <p:sldLayoutId id="2147483655" r:id="rId7"/>
+    <p:sldLayoutId id="2147483656" r:id="rId8"/>
+    <p:sldLayoutId id="2147483657" r:id="rId9"/>
+    <p:sldLayoutId id="2147483658" r:id="rId10"/>
+    <p:sldLayoutId id="2147483659" r:id="rId11"/>
+    <p:sldLayoutId id="2147483660" r:id="rId12"/>
   </p:sldLayoutIdLst>
+  <p:txStyles>
+    <p:titleStyle>
+      <a:lvl1pPr algn="l" defTabSz="914400" rtl="0" eaLnBrk="1" latinLnBrk="0" hangingPunct="1">
+        <a:lnSpc>
+          <a:spcPct val="90000"/>
+        </a:lnSpc>
+        <a:spcBef>
+          <a:spcPct val="0"/>
+        </a:spcBef>
+        <a:buNone/>
+        <a:defRPr sz="4400" kern="1200">
+          <a:solidFill>
+            <a:schemeClr val="tx1"/>
+          </a:solidFill>
+          <a:latin typeface="+mj-lt"/>
+          <a:ea typeface="+mj-ea"/>
+          <a:cs typeface="+mj-cs"/>
+        </a:defRPr>
+      </a:lvl1pPr>
+    </p:titleStyle>
+    <p:bodyStyle>
+      <a:lvl1pPr marL="228600" indent="-228600" algn="l" defTabSz="914400" rtl="0" eaLnBrk="1" latinLnBrk="0" hangingPunct="1">
+        <a:lnSpc>
+          <a:spcPct val="90000"/>
+        </a:lnSpc>
+        <a:spcBef>
+          <a:spcPts val="1000"/>
+        </a:spcBef>
+        <a:buFont typeface="Arial" panose="020B0604020202020204" pitchFamily="34" charset="0"/>
+        <a:buChar char="•"/>
+        <a:defRPr sz="2800" kern="1200">
+          <a:solidFill>
+            <a:schemeClr val="tx1"/>
+          </a:solidFill>
+          <a:latin typeface="+mn-lt"/>
+          <a:ea typeface="+mn-ea"/>
+          <a:cs typeface="+mn-cs"/>
+        </a:defRPr>
+      </a:lvl1pPr>
+      <a:lvl2pPr marL="685800" indent="-228600" algn="l" defTabSz="914400" rtl="0" eaLnBrk="1" latinLnBrk="0" hangingPunct="1">
+        <a:lnSpc>
+          <a:spcPct val="90000"/>
+        </a:lnSpc>
+        <a:spcBef>
+          <a:spcPts val="500"/>
+        </a:spcBef>
+        <a:buFont typeface="Arial" panose="020B0604020202020204" pitchFamily="34" charset="0"/>
+        <a:buChar char="•"/>
+        <a:defRPr sz="2400" kern="1200">
+          <a:solidFill>
+            <a:schemeClr val="tx1"/>
+          </a:solidFill>
+          <a:latin typeface="+mn-lt"/>
+          <a:ea typeface="+mn-ea"/>
+          <a:cs typeface="+mn-cs"/>
+        </a:defRPr>
+      </a:lvl2pPr>
+      <a:lvl3pPr marL="1143000" indent="-228600" algn="l" defTabSz="914400" rtl="0" eaLnBrk="1" latinLnBrk="0" hangingPunct="1">
+        <a:lnSpc>
+          <a:spcPct val="90000"/>
+        </a:lnSpc>
+        <a:spcBef>
+          <a:spcPts val="500"/>
+        </a:spcBef>
+        <a:buFont typeface="Arial" panose="020B0604020202020204" pitchFamily="34" charset="0"/>
+        <a:buChar char="•"/>
+        <a:defRPr sz="2000" kern="1200">
+          <a:solidFill>
+            <a:schemeClr val="tx1"/>
+          </a:solidFill>
+          <a:latin typeface="+mn-lt"/>
+          <a:ea typeface="+mn-ea"/>
+          <a:cs typeface="+mn-cs"/>
+        </a:defRPr>
+      </a:lvl3pPr>
+      <a:lvl4pPr marL="1600200" indent="-228600" algn="l" defTabSz="914400" rtl="0" eaLnBrk="1" latinLnBrk="0" hangingPunct="1">
+        <a:lnSpc>
+          <a:spcPct val="90000"/>
+        </a:lnSpc>
+        <a:spcBef>
+          <a:spcPts val="500"/>
+        </a:spcBef>
+        <a:buFont typeface="Arial" panose="020B0604020202020204" pitchFamily="34" charset="0"/>
+        <a:buChar char="•"/>
+        <a:defRPr sz="1800" kern="1200">
+          <a:solidFill>
+            <a:schemeClr val="tx1"/>
+          </a:solidFill>
+          <a:latin typeface="+mn-lt"/>
+          <a:ea typeface="+mn-ea"/>
+          <a:cs typeface="+mn-cs"/>
+        </a:defRPr>
+      </a:lvl4pPr>
+      <a:lvl5pPr marL="2057400" indent="-228600" algn="l" defTabSz="914400" rtl="0" eaLnBrk="1" latinLnBrk="0" hangingPunct="1">
+        <a:lnSpc>
+          <a:spcPct val="90000"/>
+        </a:lnSpc>
+        <a:spcBef>
+          <a:spcPts val="500"/>
+        </a:spcBef>
+        <a:buFont typeface="Arial" panose="020B0604020202020204" pitchFamily="34" charset="0"/>
+        <a:buChar char="•"/>
+        <a:defRPr sz="1800" kern="1200">
+          <a:solidFill>
+            <a:schemeClr val="tx1"/>
+          </a:solidFill>
+          <a:latin typeface="+mn-lt"/>
+          <a:ea typeface="+mn-ea"/>
+          <a:cs typeface="+mn-cs"/>
+        </a:defRPr>
+      </a:lvl5pPr>
+      <a:lvl6pPr marL="2514600" indent="-228600" algn="l" defTabSz="914400" rtl="0" eaLnBrk="1" latinLnBrk="0" hangingPunct="1">
+        <a:lnSpc>
+          <a:spcPct val="90000"/>
+        </a:lnSpc>
+        <a:spcBef>
+          <a:spcPts val="500"/>
+        </a:spcBef>
+        <a:buFont typeface="Arial" panose="020B0604020202020204" pitchFamily="34" charset="0"/>
+        <a:buChar char="•"/>
+        <a:defRPr sz="1800" kern="1200">
+          <a:solidFill>
+            <a:schemeClr val="tx1"/>
+          </a:solidFill>
+          <a:latin typeface="+mn-lt"/>
+          <a:ea typeface="+mn-ea"/>
+          <a:cs typeface="+mn-cs"/>
+        </a:defRPr>
+      </a:lvl6pPr>
+      <a:lvl7pPr marL="2971800" indent="-228600" algn="l" defTabSz="914400" rtl="0" eaLnBrk="1" latinLnBrk="0" hangingPunct="1">
+        <a:lnSpc>
+          <a:spcPct val="90000"/>
+        </a:lnSpc>
+        <a:spcBef>
+          <a:spcPts val="500"/>
+        </a:spcBef>
+        <a:buFont typeface="Arial" panose="020B0604020202020204" pitchFamily="34" charset="0"/>
+        <a:buChar char="•"/>
+        <a:defRPr sz="1800" kern="1200">
+          <a:solidFill>
+            <a:schemeClr val="tx1"/>
+          </a:solidFill>
+          <a:latin typeface="+mn-lt"/>
+          <a:ea typeface="+mn-ea"/>
+          <a:cs typeface="+mn-cs"/>
+        </a:defRPr>
+      </a:lvl7pPr>
+      <a:lvl8pPr marL="3429000" indent="-228600" algn="l" defTabSz="914400" rtl="0" eaLnBrk="1" latinLnBrk="0" hangingPunct="1">
+        <a:lnSpc>
+          <a:spcPct val="90000"/>
+        </a:lnSpc>
+        <a:spcBef>
+          <a:spcPts val="500"/>
+        </a:spcBef>
+        <a:buFont typeface="Arial" panose="020B0604020202020204" pitchFamily="34" charset="0"/>
+        <a:buChar char="•"/>
+        <a:defRPr sz="1800" kern="1200">
+          <a:solidFill>
+            <a:schemeClr val="tx1"/>
+          </a:solidFill>
+          <a:latin typeface="+mn-lt"/>
+          <a:ea typeface="+mn-ea"/>
+          <a:cs typeface="+mn-cs"/>
+        </a:defRPr>
+      </a:lvl8pPr>
+      <a:lvl9pPr marL="3886200" indent="-228600" algn="l" defTabSz="914400" rtl="0" eaLnBrk="1" latinLnBrk="0" hangingPunct="1">
+        <a:lnSpc>
+          <a:spcPct val="90000"/>
+        </a:lnSpc>
+        <a:spcBef>
+          <a:spcPts val="500"/>
+        </a:spcBef>
+        <a:buFont typeface="Arial" panose="020B0604020202020204" pitchFamily="34" charset="0"/>
+        <a:buChar char="•"/>
+        <a:defRPr sz="1800" kern="1200">
+          <a:solidFill>
+            <a:schemeClr val="tx1"/>
+          </a:solidFill>
+          <a:latin typeface="+mn-lt"/>
+          <a:ea typeface="+mn-ea"/>
+          <a:cs typeface="+mn-cs"/>
+        </a:defRPr>
+      </a:lvl9pPr>
+    </p:bodyStyle>
+    <p:otherStyle>
+      <a:defPPr>
+        <a:defRPr lang="da-DK"/>
+      </a:defPPr>
+      <a:lvl1pPr marL="0" algn="l" defTabSz="914400" rtl="0" eaLnBrk="1" latinLnBrk="0" hangingPunct="1">
+        <a:defRPr sz="1800" kern="1200">
+          <a:solidFill>
+            <a:schemeClr val="tx1"/>
+          </a:solidFill>
+          <a:latin typeface="+mn-lt"/>
+          <a:ea typeface="+mn-ea"/>
+          <a:cs typeface="+mn-cs"/>
+        </a:defRPr>
+      </a:lvl1pPr>
+      <a:lvl2pPr marL="457200" algn="l" defTabSz="914400" rtl="0" eaLnBrk="1" latinLnBrk="0" hangingPunct="1">
+        <a:defRPr sz="1800" kern="1200">
+          <a:solidFill>
+            <a:schemeClr val="tx1"/>
+          </a:solidFill>
+          <a:latin typeface="+mn-lt"/>
+          <a:ea typeface="+mn-ea"/>
+          <a:cs typeface="+mn-cs"/>
+        </a:defRPr>
+      </a:lvl2pPr>
+      <a:lvl3pPr marL="914400" algn="l" defTabSz="914400" rtl="0" eaLnBrk="1" latinLnBrk="0" hangingPunct="1">
+        <a:defRPr sz="1800" kern="1200">
+          <a:solidFill>
+            <a:schemeClr val="tx1"/>
+          </a:solidFill>
+          <a:latin typeface="+mn-lt"/>
+          <a:ea typeface="+mn-ea"/>
+          <a:cs typeface="+mn-cs"/>
+        </a:defRPr>
+      </a:lvl3pPr>
+      <a:lvl4pPr marL="1371600" algn="l" defTabSz="914400" rtl="0" eaLnBrk="1" latinLnBrk="0" hangingPunct="1">
+        <a:defRPr sz="1800" kern="1200">
+          <a:solidFill>
+            <a:schemeClr val="tx1"/>
+          </a:solidFill>
+          <a:latin typeface="+mn-lt"/>
+          <a:ea typeface="+mn-ea"/>
+          <a:cs typeface="+mn-cs"/>
+        </a:defRPr>
+      </a:lvl4pPr>
+      <a:lvl5pPr marL="1828800" algn="l" defTabSz="914400" rtl="0" eaLnBrk="1" latinLnBrk="0" hangingPunct="1">
+        <a:defRPr sz="1800" kern="1200">
+          <a:solidFill>
+            <a:schemeClr val="tx1"/>
+          </a:solidFill>
+          <a:latin typeface="+mn-lt"/>
+          <a:ea typeface="+mn-ea"/>
+          <a:cs typeface="+mn-cs"/>
+        </a:defRPr>
+      </a:lvl5pPr>
+      <a:lvl6pPr marL="2286000" algn="l" defTabSz="914400" rtl="0" eaLnBrk="1" latinLnBrk="0" hangingPunct="1">
+        <a:defRPr sz="1800" kern="1200">
+          <a:solidFill>
+            <a:schemeClr val="tx1"/>
+          </a:solidFill>
+          <a:latin typeface="+mn-lt"/>
+          <a:ea typeface="+mn-ea"/>
+          <a:cs typeface="+mn-cs"/>
+        </a:defRPr>
+      </a:lvl6pPr>
+      <a:lvl7pPr marL="2743200" algn="l" defTabSz="914400" rtl="0" eaLnBrk="1" latinLnBrk="0" hangingPunct="1">
+        <a:defRPr sz="1800" kern="1200">
+          <a:solidFill>
+            <a:schemeClr val="tx1"/>
+          </a:solidFill>
+          <a:latin typeface="+mn-lt"/>
+          <a:ea typeface="+mn-ea"/>
+          <a:cs typeface="+mn-cs"/>
+        </a:defRPr>
+      </a:lvl7pPr>
+      <a:lvl8pPr marL="3200400" algn="l" defTabSz="914400" rtl="0" eaLnBrk="1" latinLnBrk="0" hangingPunct="1">
+        <a:defRPr sz="1800" kern="1200">
+          <a:solidFill>
+            <a:schemeClr val="tx1"/>
+          </a:solidFill>
+          <a:latin typeface="+mn-lt"/>
+          <a:ea typeface="+mn-ea"/>
+          <a:cs typeface="+mn-cs"/>
+        </a:defRPr>
+      </a:lvl8pPr>
+      <a:lvl9pPr marL="3657600" algn="l" defTabSz="914400" rtl="0" eaLnBrk="1" latinLnBrk="0" hangingPunct="1">
+        <a:defRPr sz="1800" kern="1200">
+          <a:solidFill>
+            <a:schemeClr val="tx1"/>
+          </a:solidFill>
+          <a:latin typeface="+mn-lt"/>
+          <a:ea typeface="+mn-ea"/>
+          <a:cs typeface="+mn-cs"/>
+        </a:defRPr>
+      </a:lvl9pPr>
+    </p:otherStyle>
+  </p:txStyles>
 </p:sldMaster>
 </file>
 
 <file path=ppt/slides/slide1.xml><?xml version="1.0" encoding="utf-8"?>
-<p:sld xmlns:a="http://schemas.openxmlformats.org/drawingml/2006/main" xmlns:p="http://schemas.openxmlformats.org/presentationml/2006/main" xmlns:r="http://schemas.openxmlformats.org/officeDocument/2006/relationships" xmlns:p14="http://schemas.microsoft.com/office/powerpoint/2010/main" xmlns:p15="http://schemas.microsoft.com/office/powerpoint/2012/main" xmlns:mc="http://schemas.openxmlformats.org/markup-compatibility/2006">
+<p:sld xmlns:a="http://schemas.openxmlformats.org/drawingml/2006/main" xmlns:r="http://schemas.openxmlformats.org/officeDocument/2006/relationships" xmlns:p="http://schemas.openxmlformats.org/presentationml/2006/main">
   <p:cSld>
     <p:spTree>
       <p:nvGrpSpPr>
@@ -1770,30 +2179,7 @@
       </p:grpSpPr>
       <p:pic>
         <p:nvPicPr>
-          <p:cNvPr id="41" name="" descr=""/>
-          <p:cNvPicPr/>
-          <p:nvPr/>
-        </p:nvPicPr>
-        <p:blipFill>
-          <a:blip r:embed="rId1"/>
-          <a:stretch/>
-        </p:blipFill>
-        <p:spPr>
-          <a:xfrm>
-            <a:off x="2160000" y="2329200"/>
-            <a:ext cx="721080" cy="1090800"/>
-          </a:xfrm>
-          <a:prstGeom prst="rect">
-            <a:avLst/>
-          </a:prstGeom>
-          <a:ln w="0">
-            <a:noFill/>
-          </a:ln>
-        </p:spPr>
-      </p:pic>
-      <p:pic>
-        <p:nvPicPr>
-          <p:cNvPr id="42" name="" descr=""/>
+          <p:cNvPr id="41" name="Picture 40"/>
           <p:cNvPicPr/>
           <p:nvPr/>
         </p:nvPicPr>
@@ -1803,6 +2189,29 @@
         </p:blipFill>
         <p:spPr>
           <a:xfrm>
+            <a:off x="2160000" y="2329200"/>
+            <a:ext cx="721080" cy="1090800"/>
+          </a:xfrm>
+          <a:prstGeom prst="rect">
+            <a:avLst/>
+          </a:prstGeom>
+          <a:ln w="0">
+            <a:noFill/>
+          </a:ln>
+        </p:spPr>
+      </p:pic>
+      <p:pic>
+        <p:nvPicPr>
+          <p:cNvPr id="42" name="Picture 41"/>
+          <p:cNvPicPr/>
+          <p:nvPr/>
+        </p:nvPicPr>
+        <p:blipFill>
+          <a:blip r:embed="rId3"/>
+          <a:stretch/>
+        </p:blipFill>
+        <p:spPr>
+          <a:xfrm>
             <a:off x="5220000" y="2394000"/>
             <a:ext cx="973440" cy="977040"/>
           </a:xfrm>
@@ -1816,7 +2225,7 @@
       </p:pic>
       <p:sp>
         <p:nvSpPr>
-          <p:cNvPr id="43" name=""/>
+          <p:cNvPr id="43" name="Freeform: Shape 42"/>
           <p:cNvSpPr/>
           <p:nvPr/>
         </p:nvSpPr>
@@ -1829,6 +2238,7 @@
             <a:avLst/>
             <a:gdLst/>
             <a:ahLst/>
+            <a:cxnLst/>
             <a:rect l="0" t="0" r="r" b="b"/>
             <a:pathLst>
               <a:path w="5002" h="2002">
@@ -1868,15 +2278,21 @@
           </a:ln>
         </p:spPr>
         <p:style>
-          <a:lnRef idx="0"/>
-          <a:fillRef idx="0"/>
-          <a:effectRef idx="0"/>
+          <a:lnRef idx="0">
+            <a:scrgbClr r="0" g="0" b="0"/>
+          </a:lnRef>
+          <a:fillRef idx="0">
+            <a:scrgbClr r="0" g="0" b="0"/>
+          </a:fillRef>
+          <a:effectRef idx="0">
+            <a:scrgbClr r="0" g="0" b="0"/>
+          </a:effectRef>
           <a:fontRef idx="minor"/>
         </p:style>
       </p:sp>
       <p:sp>
         <p:nvSpPr>
-          <p:cNvPr id="44" name=""/>
+          <p:cNvPr id="44" name="Straight Connector 43"/>
           <p:cNvSpPr/>
           <p:nvPr/>
         </p:nvSpPr>
@@ -1896,15 +2312,21 @@
           </a:ln>
         </p:spPr>
         <p:style>
-          <a:lnRef idx="0"/>
-          <a:fillRef idx="0"/>
-          <a:effectRef idx="0"/>
+          <a:lnRef idx="0">
+            <a:scrgbClr r="0" g="0" b="0"/>
+          </a:lnRef>
+          <a:fillRef idx="0">
+            <a:scrgbClr r="0" g="0" b="0"/>
+          </a:fillRef>
+          <a:effectRef idx="0">
+            <a:scrgbClr r="0" g="0" b="0"/>
+          </a:effectRef>
           <a:fontRef idx="minor"/>
         </p:style>
       </p:sp>
       <p:sp>
         <p:nvSpPr>
-          <p:cNvPr id="45" name=""/>
+          <p:cNvPr id="45" name="Straight Connector 44"/>
           <p:cNvSpPr/>
           <p:nvPr/>
         </p:nvSpPr>
@@ -1924,38 +2346,21 @@
           </a:ln>
         </p:spPr>
         <p:style>
-          <a:lnRef idx="0"/>
-          <a:fillRef idx="0"/>
-          <a:effectRef idx="0"/>
+          <a:lnRef idx="0">
+            <a:scrgbClr r="0" g="0" b="0"/>
+          </a:lnRef>
+          <a:fillRef idx="0">
+            <a:scrgbClr r="0" g="0" b="0"/>
+          </a:fillRef>
+          <a:effectRef idx="0">
+            <a:scrgbClr r="0" g="0" b="0"/>
+          </a:effectRef>
           <a:fontRef idx="minor"/>
         </p:style>
       </p:sp>
       <p:pic>
         <p:nvPicPr>
-          <p:cNvPr id="46" name="" descr=""/>
-          <p:cNvPicPr/>
-          <p:nvPr/>
-        </p:nvPicPr>
-        <p:blipFill>
-          <a:blip r:embed="rId3"/>
-          <a:stretch/>
-        </p:blipFill>
-        <p:spPr>
-          <a:xfrm>
-            <a:off x="6226200" y="2471040"/>
-            <a:ext cx="327240" cy="328680"/>
-          </a:xfrm>
-          <a:prstGeom prst="rect">
-            <a:avLst/>
-          </a:prstGeom>
-          <a:ln w="0">
-            <a:noFill/>
-          </a:ln>
-        </p:spPr>
-      </p:pic>
-      <p:pic>
-        <p:nvPicPr>
-          <p:cNvPr id="47" name="" descr=""/>
+          <p:cNvPr id="46" name="Picture 45"/>
           <p:cNvPicPr/>
           <p:nvPr/>
         </p:nvPicPr>
@@ -1965,7 +2370,7 @@
         </p:blipFill>
         <p:spPr>
           <a:xfrm>
-            <a:off x="6586200" y="1962360"/>
+            <a:off x="6226200" y="2471040"/>
             <a:ext cx="327240" cy="328680"/>
           </a:xfrm>
           <a:prstGeom prst="rect">
@@ -1978,17 +2383,17 @@
       </p:pic>
       <p:pic>
         <p:nvPicPr>
-          <p:cNvPr id="48" name="" descr=""/>
+          <p:cNvPr id="47" name="Picture 46"/>
           <p:cNvPicPr/>
           <p:nvPr/>
         </p:nvPicPr>
         <p:blipFill>
-          <a:blip r:embed="rId5"/>
+          <a:blip r:embed="rId4"/>
           <a:stretch/>
         </p:blipFill>
         <p:spPr>
           <a:xfrm>
-            <a:off x="6586200" y="2862360"/>
+            <a:off x="6586200" y="1962360"/>
             <a:ext cx="327240" cy="328680"/>
           </a:xfrm>
           <a:prstGeom prst="rect">
@@ -2001,16 +2406,39 @@
       </p:pic>
       <p:pic>
         <p:nvPicPr>
-          <p:cNvPr id="49" name="" descr=""/>
+          <p:cNvPr id="48" name="Picture 47"/>
           <p:cNvPicPr/>
           <p:nvPr/>
         </p:nvPicPr>
         <p:blipFill>
-          <a:blip r:embed="rId6"/>
+          <a:blip r:embed="rId4"/>
           <a:stretch/>
         </p:blipFill>
         <p:spPr>
           <a:xfrm>
+            <a:off x="6586200" y="2862360"/>
+            <a:ext cx="327240" cy="328680"/>
+          </a:xfrm>
+          <a:prstGeom prst="rect">
+            <a:avLst/>
+          </a:prstGeom>
+          <a:ln w="0">
+            <a:noFill/>
+          </a:ln>
+        </p:spPr>
+      </p:pic>
+      <p:pic>
+        <p:nvPicPr>
+          <p:cNvPr id="49" name="Picture 48"/>
+          <p:cNvPicPr/>
+          <p:nvPr/>
+        </p:nvPicPr>
+        <p:blipFill>
+          <a:blip r:embed="rId4"/>
+          <a:stretch/>
+        </p:blipFill>
+        <p:spPr>
+          <a:xfrm>
             <a:off x="6946200" y="2322360"/>
             <a:ext cx="327240" cy="328680"/>
           </a:xfrm>
@@ -2024,7 +2452,7 @@
       </p:pic>
       <p:sp>
         <p:nvSpPr>
-          <p:cNvPr id="50" name=""/>
+          <p:cNvPr id="50" name="TextBox 49"/>
           <p:cNvSpPr txBox="1"/>
           <p:nvPr/>
         </p:nvSpPr>
@@ -2042,28 +2470,29 @@
           </a:ln>
         </p:spPr>
         <p:txBody>
-          <a:bodyPr lIns="90000" rIns="90000" tIns="45000" bIns="45000">
+          <a:bodyPr lIns="90000" tIns="45000" rIns="90000" bIns="45000">
             <a:noAutofit/>
           </a:bodyPr>
+          <a:lstStyle/>
           <a:p>
             <a:r>
-              <a:rPr b="1" lang="en-GB" sz="1000" spc="-1" strike="noStrike">
+              <a:rPr lang="en-GB" sz="1000" b="1" strike="noStrike" spc="-1">
                 <a:latin typeface="Chilanka"/>
               </a:rPr>
               <a:t>Susceptible </a:t>
             </a:r>
-            <a:endParaRPr b="0" lang="en-GB" sz="1000" spc="-1" strike="noStrike">
+            <a:endParaRPr lang="en-GB" sz="1000" b="0" strike="noStrike" spc="-1">
               <a:latin typeface="Arial"/>
             </a:endParaRPr>
           </a:p>
           <a:p>
             <a:r>
-              <a:rPr b="1" lang="en-GB" sz="1000" spc="-1" strike="noStrike">
+              <a:rPr lang="en-GB" sz="1000" b="1" strike="noStrike" spc="-1">
                 <a:latin typeface="Chilanka"/>
               </a:rPr>
               <a:t>Population</a:t>
             </a:r>
-            <a:endParaRPr b="0" lang="en-GB" sz="1000" spc="-1" strike="noStrike">
+            <a:endParaRPr lang="en-GB" sz="1000" b="0" strike="noStrike" spc="-1">
               <a:latin typeface="Arial"/>
             </a:endParaRPr>
           </a:p>
@@ -2071,7 +2500,7 @@
       </p:sp>
       <p:sp>
         <p:nvSpPr>
-          <p:cNvPr id="51" name=""/>
+          <p:cNvPr id="51" name="TextBox 50"/>
           <p:cNvSpPr txBox="1"/>
           <p:nvPr/>
         </p:nvSpPr>
@@ -2089,28 +2518,29 @@
           </a:ln>
         </p:spPr>
         <p:txBody>
-          <a:bodyPr lIns="90000" rIns="90000" tIns="45000" bIns="45000">
+          <a:bodyPr lIns="90000" tIns="45000" rIns="90000" bIns="45000">
             <a:noAutofit/>
           </a:bodyPr>
+          <a:lstStyle/>
           <a:p>
             <a:r>
-              <a:rPr b="1" lang="en-GB" sz="1000" spc="-1" strike="noStrike">
+              <a:rPr lang="en-GB" sz="1000" b="1" strike="noStrike" spc="-1">
                 <a:latin typeface="Chilanka"/>
               </a:rPr>
               <a:t>Infected </a:t>
             </a:r>
-            <a:endParaRPr b="0" lang="en-GB" sz="1000" spc="-1" strike="noStrike">
+            <a:endParaRPr lang="en-GB" sz="1000" b="0" strike="noStrike" spc="-1">
               <a:latin typeface="Arial"/>
             </a:endParaRPr>
           </a:p>
           <a:p>
             <a:r>
-              <a:rPr b="1" lang="en-GB" sz="1000" spc="-1" strike="noStrike">
+              <a:rPr lang="en-GB" sz="1000" b="1" strike="noStrike" spc="-1">
                 <a:latin typeface="Chilanka"/>
               </a:rPr>
               <a:t>Population</a:t>
             </a:r>
-            <a:endParaRPr b="0" lang="en-GB" sz="1000" spc="-1" strike="noStrike">
+            <a:endParaRPr lang="en-GB" sz="1000" b="0" strike="noStrike" spc="-1">
               <a:latin typeface="Arial"/>
             </a:endParaRPr>
           </a:p>
@@ -2118,7 +2548,7 @@
       </p:sp>
       <p:sp>
         <p:nvSpPr>
-          <p:cNvPr id="52" name=""/>
+          <p:cNvPr id="52" name="TextBox 51"/>
           <p:cNvSpPr txBox="1"/>
           <p:nvPr/>
         </p:nvSpPr>
@@ -2136,17 +2566,18 @@
           </a:ln>
         </p:spPr>
         <p:txBody>
-          <a:bodyPr lIns="90000" rIns="90000" tIns="45000" bIns="45000">
+          <a:bodyPr lIns="90000" tIns="45000" rIns="90000" bIns="45000">
             <a:noAutofit/>
           </a:bodyPr>
+          <a:lstStyle/>
           <a:p>
             <a:r>
-              <a:rPr b="0" lang="en-GB" sz="1000" spc="-1" strike="noStrike">
+              <a:rPr lang="en-GB" sz="1000" b="0" strike="noStrike" spc="-1">
                 <a:latin typeface="Chilanka"/>
               </a:rPr>
               <a:t>Virus Production</a:t>
             </a:r>
-            <a:endParaRPr b="0" lang="en-GB" sz="1000" spc="-1" strike="noStrike">
+            <a:endParaRPr lang="en-GB" sz="1000" b="0" strike="noStrike" spc="-1">
               <a:latin typeface="Arial"/>
             </a:endParaRPr>
           </a:p>
@@ -2154,7 +2585,7 @@
       </p:sp>
       <p:sp>
         <p:nvSpPr>
-          <p:cNvPr id="53" name=""/>
+          <p:cNvPr id="53" name="TextBox 52"/>
           <p:cNvSpPr txBox="1"/>
           <p:nvPr/>
         </p:nvSpPr>
@@ -2172,17 +2603,18 @@
           </a:ln>
         </p:spPr>
         <p:txBody>
-          <a:bodyPr lIns="90000" rIns="90000" tIns="45000" bIns="45000">
+          <a:bodyPr lIns="90000" tIns="45000" rIns="90000" bIns="45000">
             <a:noAutofit/>
           </a:bodyPr>
+          <a:lstStyle/>
           <a:p>
             <a:r>
-              <a:rPr b="1" lang="en-GB" sz="2400" spc="-1" strike="noStrike">
+              <a:rPr lang="en-GB" sz="2400" b="1" strike="noStrike" spc="-1">
                 <a:latin typeface="Chilanka"/>
               </a:rPr>
               <a:t>Infection Process </a:t>
             </a:r>
-            <a:endParaRPr b="0" lang="en-GB" sz="2400" spc="-1" strike="noStrike">
+            <a:endParaRPr lang="en-GB" sz="2400" b="0" strike="noStrike" spc="-1">
               <a:latin typeface="Arial"/>
             </a:endParaRPr>
           </a:p>
@@ -2190,19 +2622,14 @@
       </p:sp>
     </p:spTree>
   </p:cSld>
-  <mc:AlternateContent>
-    <mc:Choice Requires="p14">
-      <p:transition spd="slow" p14:dur="2000"/>
-    </mc:Choice>
-    <mc:Fallback>
-      <p:transition spd="slow"/>
-    </mc:Fallback>
-  </mc:AlternateContent>
+  <p:clrMapOvr>
+    <a:masterClrMapping/>
+  </p:clrMapOvr>
 </p:sld>
 </file>
 
 <file path=ppt/slides/slide2.xml><?xml version="1.0" encoding="utf-8"?>
-<p:sld xmlns:a="http://schemas.openxmlformats.org/drawingml/2006/main" xmlns:p="http://schemas.openxmlformats.org/presentationml/2006/main" xmlns:r="http://schemas.openxmlformats.org/officeDocument/2006/relationships" xmlns:p14="http://schemas.microsoft.com/office/powerpoint/2010/main" xmlns:p15="http://schemas.microsoft.com/office/powerpoint/2012/main" xmlns:mc="http://schemas.openxmlformats.org/markup-compatibility/2006">
+<p:sld xmlns:a="http://schemas.openxmlformats.org/drawingml/2006/main" xmlns:r="http://schemas.openxmlformats.org/officeDocument/2006/relationships" xmlns:p="http://schemas.openxmlformats.org/presentationml/2006/main">
   <p:cSld>
     <p:spTree>
       <p:nvGrpSpPr>
@@ -2220,30 +2647,7 @@
       </p:grpSpPr>
       <p:pic>
         <p:nvPicPr>
-          <p:cNvPr id="54" name="" descr=""/>
-          <p:cNvPicPr/>
-          <p:nvPr/>
-        </p:nvPicPr>
-        <p:blipFill>
-          <a:blip r:embed="rId1"/>
-          <a:stretch/>
-        </p:blipFill>
-        <p:spPr>
-          <a:xfrm>
-            <a:off x="3992760" y="1037880"/>
-            <a:ext cx="327240" cy="328680"/>
-          </a:xfrm>
-          <a:prstGeom prst="rect">
-            <a:avLst/>
-          </a:prstGeom>
-          <a:ln w="0">
-            <a:noFill/>
-          </a:ln>
-        </p:spPr>
-      </p:pic>
-      <p:pic>
-        <p:nvPicPr>
-          <p:cNvPr id="55" name="" descr=""/>
+          <p:cNvPr id="54" name="Picture 53"/>
           <p:cNvPicPr/>
           <p:nvPr/>
         </p:nvPicPr>
@@ -2253,7 +2657,7 @@
         </p:blipFill>
         <p:spPr>
           <a:xfrm>
-            <a:off x="5432760" y="889200"/>
+            <a:off x="3992760" y="1037880"/>
             <a:ext cx="327240" cy="328680"/>
           </a:xfrm>
           <a:prstGeom prst="rect">
@@ -2266,7 +2670,99 @@
       </p:pic>
       <p:pic>
         <p:nvPicPr>
-          <p:cNvPr id="56" name="" descr=""/>
+          <p:cNvPr id="55" name="Picture 54"/>
+          <p:cNvPicPr/>
+          <p:nvPr/>
+        </p:nvPicPr>
+        <p:blipFill>
+          <a:blip r:embed="rId2"/>
+          <a:stretch/>
+        </p:blipFill>
+        <p:spPr>
+          <a:xfrm>
+            <a:off x="5432760" y="889200"/>
+            <a:ext cx="327240" cy="328680"/>
+          </a:xfrm>
+          <a:prstGeom prst="rect">
+            <a:avLst/>
+          </a:prstGeom>
+          <a:ln w="0">
+            <a:noFill/>
+          </a:ln>
+        </p:spPr>
+      </p:pic>
+      <p:pic>
+        <p:nvPicPr>
+          <p:cNvPr id="56" name="Picture 55"/>
+          <p:cNvPicPr/>
+          <p:nvPr/>
+        </p:nvPicPr>
+        <p:blipFill>
+          <a:blip r:embed="rId2"/>
+          <a:stretch/>
+        </p:blipFill>
+        <p:spPr>
+          <a:xfrm>
+            <a:off x="5400000" y="1440000"/>
+            <a:ext cx="327240" cy="328680"/>
+          </a:xfrm>
+          <a:prstGeom prst="rect">
+            <a:avLst/>
+          </a:prstGeom>
+          <a:ln w="0">
+            <a:noFill/>
+          </a:ln>
+        </p:spPr>
+      </p:pic>
+      <p:pic>
+        <p:nvPicPr>
+          <p:cNvPr id="57" name="Picture 56"/>
+          <p:cNvPicPr/>
+          <p:nvPr/>
+        </p:nvPicPr>
+        <p:blipFill>
+          <a:blip r:embed="rId2"/>
+          <a:stretch/>
+        </p:blipFill>
+        <p:spPr>
+          <a:xfrm>
+            <a:off x="3960000" y="1651320"/>
+            <a:ext cx="327240" cy="328680"/>
+          </a:xfrm>
+          <a:prstGeom prst="rect">
+            <a:avLst/>
+          </a:prstGeom>
+          <a:ln w="0">
+            <a:noFill/>
+          </a:ln>
+        </p:spPr>
+      </p:pic>
+      <p:pic>
+        <p:nvPicPr>
+          <p:cNvPr id="58" name="Picture 57"/>
+          <p:cNvPicPr/>
+          <p:nvPr/>
+        </p:nvPicPr>
+        <p:blipFill>
+          <a:blip r:embed="rId2"/>
+          <a:stretch/>
+        </p:blipFill>
+        <p:spPr>
+          <a:xfrm>
+            <a:off x="4500000" y="1080000"/>
+            <a:ext cx="327240" cy="328680"/>
+          </a:xfrm>
+          <a:prstGeom prst="rect">
+            <a:avLst/>
+          </a:prstGeom>
+          <a:ln w="0">
+            <a:noFill/>
+          </a:ln>
+        </p:spPr>
+      </p:pic>
+      <p:pic>
+        <p:nvPicPr>
+          <p:cNvPr id="59" name="Picture 58"/>
           <p:cNvPicPr/>
           <p:nvPr/>
         </p:nvPicPr>
@@ -2276,8 +2772,8 @@
         </p:blipFill>
         <p:spPr>
           <a:xfrm>
-            <a:off x="5400000" y="1440000"/>
-            <a:ext cx="327240" cy="328680"/>
+            <a:off x="1440000" y="1249200"/>
+            <a:ext cx="721080" cy="1090800"/>
           </a:xfrm>
           <a:prstGeom prst="rect">
             <a:avLst/>
@@ -2289,7 +2785,7 @@
       </p:pic>
       <p:pic>
         <p:nvPicPr>
-          <p:cNvPr id="57" name="" descr=""/>
+          <p:cNvPr id="60" name="Picture 59"/>
           <p:cNvPicPr/>
           <p:nvPr/>
         </p:nvPicPr>
@@ -2299,8 +2795,8 @@
         </p:blipFill>
         <p:spPr>
           <a:xfrm>
-            <a:off x="3960000" y="1651320"/>
-            <a:ext cx="327240" cy="328680"/>
+            <a:off x="7560000" y="1854000"/>
+            <a:ext cx="973440" cy="977040"/>
           </a:xfrm>
           <a:prstGeom prst="rect">
             <a:avLst/>
@@ -2310,78 +2806,9 @@
           </a:ln>
         </p:spPr>
       </p:pic>
-      <p:pic>
-        <p:nvPicPr>
-          <p:cNvPr id="58" name="" descr=""/>
-          <p:cNvPicPr/>
-          <p:nvPr/>
-        </p:nvPicPr>
-        <p:blipFill>
-          <a:blip r:embed="rId5"/>
-          <a:stretch/>
-        </p:blipFill>
-        <p:spPr>
-          <a:xfrm>
-            <a:off x="4500000" y="1080000"/>
-            <a:ext cx="327240" cy="328680"/>
-          </a:xfrm>
-          <a:prstGeom prst="rect">
-            <a:avLst/>
-          </a:prstGeom>
-          <a:ln w="0">
-            <a:noFill/>
-          </a:ln>
-        </p:spPr>
-      </p:pic>
-      <p:pic>
-        <p:nvPicPr>
-          <p:cNvPr id="59" name="" descr=""/>
-          <p:cNvPicPr/>
-          <p:nvPr/>
-        </p:nvPicPr>
-        <p:blipFill>
-          <a:blip r:embed="rId6"/>
-          <a:stretch/>
-        </p:blipFill>
-        <p:spPr>
-          <a:xfrm>
-            <a:off x="1440000" y="1249200"/>
-            <a:ext cx="721080" cy="1090800"/>
-          </a:xfrm>
-          <a:prstGeom prst="rect">
-            <a:avLst/>
-          </a:prstGeom>
-          <a:ln w="0">
-            <a:noFill/>
-          </a:ln>
-        </p:spPr>
-      </p:pic>
-      <p:pic>
-        <p:nvPicPr>
-          <p:cNvPr id="60" name="" descr=""/>
-          <p:cNvPicPr/>
-          <p:nvPr/>
-        </p:nvPicPr>
-        <p:blipFill>
-          <a:blip r:embed="rId7"/>
-          <a:stretch/>
-        </p:blipFill>
-        <p:spPr>
-          <a:xfrm>
-            <a:off x="7560000" y="1854000"/>
-            <a:ext cx="973440" cy="977040"/>
-          </a:xfrm>
-          <a:prstGeom prst="rect">
-            <a:avLst/>
-          </a:prstGeom>
-          <a:ln w="0">
-            <a:noFill/>
-          </a:ln>
-        </p:spPr>
-      </p:pic>
-      <p:sp>
-        <p:nvSpPr>
-          <p:cNvPr id="61" name=""/>
+      <p:sp>
+        <p:nvSpPr>
+          <p:cNvPr id="61" name="Freeform: Shape 60"/>
           <p:cNvSpPr/>
           <p:nvPr/>
         </p:nvSpPr>
@@ -2394,6 +2821,7 @@
             <a:avLst/>
             <a:gdLst/>
             <a:ahLst/>
+            <a:cxnLst/>
             <a:rect l="0" t="0" r="r" b="b"/>
             <a:pathLst>
               <a:path w="5083" h="2002">
@@ -2433,15 +2861,21 @@
           </a:ln>
         </p:spPr>
         <p:style>
-          <a:lnRef idx="0"/>
-          <a:fillRef idx="0"/>
-          <a:effectRef idx="0"/>
+          <a:lnRef idx="0">
+            <a:scrgbClr r="0" g="0" b="0"/>
+          </a:lnRef>
+          <a:fillRef idx="0">
+            <a:scrgbClr r="0" g="0" b="0"/>
+          </a:fillRef>
+          <a:effectRef idx="0">
+            <a:scrgbClr r="0" g="0" b="0"/>
+          </a:effectRef>
           <a:fontRef idx="minor"/>
         </p:style>
       </p:sp>
       <p:sp>
         <p:nvSpPr>
-          <p:cNvPr id="62" name=""/>
+          <p:cNvPr id="62" name="Freeform: Shape 61"/>
           <p:cNvSpPr/>
           <p:nvPr/>
         </p:nvSpPr>
@@ -2454,6 +2888,7 @@
             <a:avLst/>
             <a:gdLst/>
             <a:ahLst/>
+            <a:cxnLst/>
             <a:rect l="0" t="0" r="r" b="b"/>
             <a:pathLst>
               <a:path w="3002" h="2002">
@@ -2493,20 +2928,26 @@
           </a:ln>
         </p:spPr>
         <p:style>
-          <a:lnRef idx="0"/>
-          <a:fillRef idx="0"/>
-          <a:effectRef idx="0"/>
+          <a:lnRef idx="0">
+            <a:scrgbClr r="0" g="0" b="0"/>
+          </a:lnRef>
+          <a:fillRef idx="0">
+            <a:scrgbClr r="0" g="0" b="0"/>
+          </a:fillRef>
+          <a:effectRef idx="0">
+            <a:scrgbClr r="0" g="0" b="0"/>
+          </a:effectRef>
           <a:fontRef idx="minor"/>
         </p:style>
       </p:sp>
       <p:pic>
         <p:nvPicPr>
-          <p:cNvPr id="63" name="" descr=""/>
+          <p:cNvPr id="63" name="Picture 62"/>
           <p:cNvPicPr/>
           <p:nvPr/>
         </p:nvPicPr>
         <p:blipFill>
-          <a:blip r:embed="rId8"/>
+          <a:blip r:embed="rId3"/>
           <a:stretch/>
         </p:blipFill>
         <p:spPr>
@@ -2524,7 +2965,7 @@
       </p:pic>
       <p:sp>
         <p:nvSpPr>
-          <p:cNvPr id="64" name=""/>
+          <p:cNvPr id="64" name="Freeform: Shape 63"/>
           <p:cNvSpPr/>
           <p:nvPr/>
         </p:nvSpPr>
@@ -2537,6 +2978,7 @@
             <a:avLst/>
             <a:gdLst/>
             <a:ahLst/>
+            <a:cxnLst/>
             <a:rect l="0" t="0" r="r" b="b"/>
             <a:pathLst>
               <a:path w="3002" h="2002">
@@ -2576,20 +3018,26 @@
           </a:ln>
         </p:spPr>
         <p:style>
-          <a:lnRef idx="0"/>
-          <a:fillRef idx="0"/>
-          <a:effectRef idx="0"/>
+          <a:lnRef idx="0">
+            <a:scrgbClr r="0" g="0" b="0"/>
+          </a:lnRef>
+          <a:fillRef idx="0">
+            <a:scrgbClr r="0" g="0" b="0"/>
+          </a:fillRef>
+          <a:effectRef idx="0">
+            <a:scrgbClr r="0" g="0" b="0"/>
+          </a:effectRef>
           <a:fontRef idx="minor"/>
         </p:style>
       </p:sp>
       <p:pic>
         <p:nvPicPr>
-          <p:cNvPr id="65" name="" descr=""/>
+          <p:cNvPr id="65" name="Picture 64"/>
           <p:cNvPicPr/>
           <p:nvPr/>
         </p:nvPicPr>
         <p:blipFill>
-          <a:blip r:embed="rId9"/>
+          <a:blip r:embed="rId5"/>
           <a:stretch/>
         </p:blipFill>
         <p:spPr>
@@ -2607,7 +3055,7 @@
       </p:pic>
       <p:sp>
         <p:nvSpPr>
-          <p:cNvPr id="66" name=""/>
+          <p:cNvPr id="66" name="Rectangle 65"/>
           <p:cNvSpPr/>
           <p:nvPr/>
         </p:nvSpPr>
@@ -2628,15 +3076,21 @@
           </a:ln>
         </p:spPr>
         <p:style>
-          <a:lnRef idx="0"/>
-          <a:fillRef idx="0"/>
-          <a:effectRef idx="0"/>
+          <a:lnRef idx="0">
+            <a:scrgbClr r="0" g="0" b="0"/>
+          </a:lnRef>
+          <a:fillRef idx="0">
+            <a:scrgbClr r="0" g="0" b="0"/>
+          </a:fillRef>
+          <a:effectRef idx="0">
+            <a:scrgbClr r="0" g="0" b="0"/>
+          </a:effectRef>
           <a:fontRef idx="minor"/>
         </p:style>
       </p:sp>
       <p:sp>
         <p:nvSpPr>
-          <p:cNvPr id="67" name=""/>
+          <p:cNvPr id="67" name="Straight Connector 66"/>
           <p:cNvSpPr/>
           <p:nvPr/>
         </p:nvSpPr>
@@ -2656,15 +3110,21 @@
           </a:ln>
         </p:spPr>
         <p:style>
-          <a:lnRef idx="0"/>
-          <a:fillRef idx="0"/>
-          <a:effectRef idx="0"/>
+          <a:lnRef idx="0">
+            <a:scrgbClr r="0" g="0" b="0"/>
+          </a:lnRef>
+          <a:fillRef idx="0">
+            <a:scrgbClr r="0" g="0" b="0"/>
+          </a:fillRef>
+          <a:effectRef idx="0">
+            <a:scrgbClr r="0" g="0" b="0"/>
+          </a:effectRef>
           <a:fontRef idx="minor"/>
         </p:style>
       </p:sp>
       <p:sp>
         <p:nvSpPr>
-          <p:cNvPr id="68" name=""/>
+          <p:cNvPr id="68" name="Straight Connector 67"/>
           <p:cNvSpPr/>
           <p:nvPr/>
         </p:nvSpPr>
@@ -2684,20 +3144,26 @@
           </a:ln>
         </p:spPr>
         <p:style>
-          <a:lnRef idx="0"/>
-          <a:fillRef idx="0"/>
-          <a:effectRef idx="0"/>
+          <a:lnRef idx="0">
+            <a:scrgbClr r="0" g="0" b="0"/>
+          </a:lnRef>
+          <a:fillRef idx="0">
+            <a:scrgbClr r="0" g="0" b="0"/>
+          </a:fillRef>
+          <a:effectRef idx="0">
+            <a:scrgbClr r="0" g="0" b="0"/>
+          </a:effectRef>
           <a:fontRef idx="minor"/>
         </p:style>
       </p:sp>
       <p:pic>
         <p:nvPicPr>
-          <p:cNvPr id="69" name="" descr=""/>
+          <p:cNvPr id="69" name="Picture 68"/>
           <p:cNvPicPr/>
           <p:nvPr/>
         </p:nvPicPr>
         <p:blipFill>
-          <a:blip r:embed="rId10"/>
+          <a:blip r:embed="rId2"/>
           <a:stretch/>
         </p:blipFill>
         <p:spPr>
@@ -2715,12 +3181,12 @@
       </p:pic>
       <p:pic>
         <p:nvPicPr>
-          <p:cNvPr id="70" name="" descr=""/>
+          <p:cNvPr id="70" name="Picture 69"/>
           <p:cNvPicPr/>
           <p:nvPr/>
         </p:nvPicPr>
         <p:blipFill>
-          <a:blip r:embed="rId11"/>
+          <a:blip r:embed="rId2"/>
           <a:stretch/>
         </p:blipFill>
         <p:spPr>
@@ -2738,12 +3204,12 @@
       </p:pic>
       <p:pic>
         <p:nvPicPr>
-          <p:cNvPr id="71" name="" descr=""/>
+          <p:cNvPr id="71" name="Picture 70"/>
           <p:cNvPicPr/>
           <p:nvPr/>
         </p:nvPicPr>
         <p:blipFill>
-          <a:blip r:embed="rId12"/>
+          <a:blip r:embed="rId2"/>
           <a:stretch/>
         </p:blipFill>
         <p:spPr>
@@ -2761,12 +3227,12 @@
       </p:pic>
       <p:pic>
         <p:nvPicPr>
-          <p:cNvPr id="72" name="" descr=""/>
+          <p:cNvPr id="72" name="Picture 71"/>
           <p:cNvPicPr/>
           <p:nvPr/>
         </p:nvPicPr>
         <p:blipFill>
-          <a:blip r:embed="rId13"/>
+          <a:blip r:embed="rId2"/>
           <a:stretch/>
         </p:blipFill>
         <p:spPr>
@@ -2784,12 +3250,12 @@
       </p:pic>
       <p:pic>
         <p:nvPicPr>
-          <p:cNvPr id="73" name="" descr=""/>
+          <p:cNvPr id="73" name="Picture 72"/>
           <p:cNvPicPr/>
           <p:nvPr/>
         </p:nvPicPr>
         <p:blipFill>
-          <a:blip r:embed="rId14"/>
+          <a:blip r:embed="rId2"/>
           <a:stretch/>
         </p:blipFill>
         <p:spPr>
@@ -2807,12 +3273,12 @@
       </p:pic>
       <p:pic>
         <p:nvPicPr>
-          <p:cNvPr id="74" name="" descr=""/>
+          <p:cNvPr id="74" name="Picture 73"/>
           <p:cNvPicPr/>
           <p:nvPr/>
         </p:nvPicPr>
         <p:blipFill>
-          <a:blip r:embed="rId15"/>
+          <a:blip r:embed="rId2"/>
           <a:stretch/>
         </p:blipFill>
         <p:spPr>
@@ -2830,12 +3296,12 @@
       </p:pic>
       <p:pic>
         <p:nvPicPr>
-          <p:cNvPr id="75" name="" descr=""/>
+          <p:cNvPr id="75" name="Picture 74"/>
           <p:cNvPicPr/>
           <p:nvPr/>
         </p:nvPicPr>
         <p:blipFill>
-          <a:blip r:embed="rId16"/>
+          <a:blip r:embed="rId2"/>
           <a:stretch/>
         </p:blipFill>
         <p:spPr>
@@ -2853,12 +3319,12 @@
       </p:pic>
       <p:pic>
         <p:nvPicPr>
-          <p:cNvPr id="76" name="" descr=""/>
+          <p:cNvPr id="76" name="Picture 75"/>
           <p:cNvPicPr/>
           <p:nvPr/>
         </p:nvPicPr>
         <p:blipFill>
-          <a:blip r:embed="rId17"/>
+          <a:blip r:embed="rId2"/>
           <a:stretch/>
         </p:blipFill>
         <p:spPr>
@@ -2876,12 +3342,12 @@
       </p:pic>
       <p:pic>
         <p:nvPicPr>
-          <p:cNvPr id="77" name="" descr=""/>
+          <p:cNvPr id="77" name="Picture 76"/>
           <p:cNvPicPr/>
           <p:nvPr/>
         </p:nvPicPr>
         <p:blipFill>
-          <a:blip r:embed="rId18"/>
+          <a:blip r:embed="rId2"/>
           <a:stretch/>
         </p:blipFill>
         <p:spPr>
@@ -2899,12 +3365,12 @@
       </p:pic>
       <p:pic>
         <p:nvPicPr>
-          <p:cNvPr id="78" name="" descr=""/>
+          <p:cNvPr id="78" name="Picture 77"/>
           <p:cNvPicPr/>
           <p:nvPr/>
         </p:nvPicPr>
         <p:blipFill>
-          <a:blip r:embed="rId19"/>
+          <a:blip r:embed="rId5"/>
           <a:stretch/>
         </p:blipFill>
         <p:spPr>
@@ -2922,7 +3388,7 @@
       </p:pic>
       <p:sp>
         <p:nvSpPr>
-          <p:cNvPr id="79" name=""/>
+          <p:cNvPr id="79" name="Rectangle 78"/>
           <p:cNvSpPr/>
           <p:nvPr/>
         </p:nvSpPr>
@@ -2943,15 +3409,21 @@
           </a:ln>
         </p:spPr>
         <p:style>
-          <a:lnRef idx="0"/>
-          <a:fillRef idx="0"/>
-          <a:effectRef idx="0"/>
+          <a:lnRef idx="0">
+            <a:scrgbClr r="0" g="0" b="0"/>
+          </a:lnRef>
+          <a:fillRef idx="0">
+            <a:scrgbClr r="0" g="0" b="0"/>
+          </a:fillRef>
+          <a:effectRef idx="0">
+            <a:scrgbClr r="0" g="0" b="0"/>
+          </a:effectRef>
           <a:fontRef idx="minor"/>
         </p:style>
       </p:sp>
       <p:sp>
         <p:nvSpPr>
-          <p:cNvPr id="80" name=""/>
+          <p:cNvPr id="80" name="Freeform: Shape 79"/>
           <p:cNvSpPr/>
           <p:nvPr/>
         </p:nvSpPr>
@@ -2964,6 +3436,7 @@
             <a:avLst/>
             <a:gdLst/>
             <a:ahLst/>
+            <a:cxnLst/>
             <a:rect l="0" t="0" r="r" b="b"/>
             <a:pathLst>
               <a:path w="2491" h="2001">
@@ -3003,15 +3476,21 @@
           </a:ln>
         </p:spPr>
         <p:style>
-          <a:lnRef idx="0"/>
-          <a:fillRef idx="0"/>
-          <a:effectRef idx="0"/>
+          <a:lnRef idx="0">
+            <a:scrgbClr r="0" g="0" b="0"/>
+          </a:lnRef>
+          <a:fillRef idx="0">
+            <a:scrgbClr r="0" g="0" b="0"/>
+          </a:fillRef>
+          <a:effectRef idx="0">
+            <a:scrgbClr r="0" g="0" b="0"/>
+          </a:effectRef>
           <a:fontRef idx="minor"/>
         </p:style>
       </p:sp>
       <p:sp>
         <p:nvSpPr>
-          <p:cNvPr id="81" name=""/>
+          <p:cNvPr id="81" name="Freeform: Shape 80"/>
           <p:cNvSpPr/>
           <p:nvPr/>
         </p:nvSpPr>
@@ -3024,6 +3503,7 @@
             <a:avLst/>
             <a:gdLst/>
             <a:ahLst/>
+            <a:cxnLst/>
             <a:rect l="0" t="0" r="r" b="b"/>
             <a:pathLst>
               <a:path w="3318" h="1808">
@@ -3415,24 +3895,30 @@
             </a:pathLst>
           </a:custGeom>
           <a:solidFill>
-            <a:srgbClr val="f10d0c"/>
+            <a:srgbClr val="F10D0C"/>
           </a:solidFill>
           <a:ln w="0">
             <a:solidFill>
-              <a:srgbClr val="3465a4"/>
+              <a:srgbClr val="3465A4"/>
             </a:solidFill>
           </a:ln>
         </p:spPr>
         <p:style>
-          <a:lnRef idx="0"/>
-          <a:fillRef idx="0"/>
-          <a:effectRef idx="0"/>
+          <a:lnRef idx="0">
+            <a:scrgbClr r="0" g="0" b="0"/>
+          </a:lnRef>
+          <a:fillRef idx="0">
+            <a:scrgbClr r="0" g="0" b="0"/>
+          </a:fillRef>
+          <a:effectRef idx="0">
+            <a:scrgbClr r="0" g="0" b="0"/>
+          </a:effectRef>
           <a:fontRef idx="minor"/>
         </p:style>
       </p:sp>
       <p:sp>
         <p:nvSpPr>
-          <p:cNvPr id="82" name=""/>
+          <p:cNvPr id="82" name="Freeform: Shape 81"/>
           <p:cNvSpPr/>
           <p:nvPr/>
         </p:nvSpPr>
@@ -3445,6 +3931,7 @@
             <a:avLst/>
             <a:gdLst/>
             <a:ahLst/>
+            <a:cxnLst/>
             <a:rect l="0" t="0" r="r" b="b"/>
             <a:pathLst>
               <a:path w="3318" h="1903">
@@ -3836,24 +4323,30 @@
             </a:pathLst>
           </a:custGeom>
           <a:solidFill>
-            <a:srgbClr val="f10d0c"/>
+            <a:srgbClr val="F10D0C"/>
           </a:solidFill>
           <a:ln w="0">
             <a:solidFill>
-              <a:srgbClr val="3465a4"/>
+              <a:srgbClr val="3465A4"/>
             </a:solidFill>
           </a:ln>
         </p:spPr>
         <p:style>
-          <a:lnRef idx="0"/>
-          <a:fillRef idx="0"/>
-          <a:effectRef idx="0"/>
+          <a:lnRef idx="0">
+            <a:scrgbClr r="0" g="0" b="0"/>
+          </a:lnRef>
+          <a:fillRef idx="0">
+            <a:scrgbClr r="0" g="0" b="0"/>
+          </a:fillRef>
+          <a:effectRef idx="0">
+            <a:scrgbClr r="0" g="0" b="0"/>
+          </a:effectRef>
           <a:fontRef idx="minor"/>
         </p:style>
       </p:sp>
       <p:sp>
         <p:nvSpPr>
-          <p:cNvPr id="83" name=""/>
+          <p:cNvPr id="83" name="TextBox 82"/>
           <p:cNvSpPr txBox="1"/>
           <p:nvPr/>
         </p:nvSpPr>
@@ -3871,28 +4364,29 @@
           </a:ln>
         </p:spPr>
         <p:txBody>
-          <a:bodyPr lIns="90000" rIns="90000" tIns="45000" bIns="45000">
+          <a:bodyPr lIns="90000" tIns="45000" rIns="90000" bIns="45000">
             <a:noAutofit/>
           </a:bodyPr>
+          <a:lstStyle/>
           <a:p>
             <a:r>
-              <a:rPr b="1" lang="en-GB" sz="1000" spc="-1" strike="noStrike">
+              <a:rPr lang="en-GB" sz="1000" b="1" strike="noStrike" spc="-1">
                 <a:latin typeface="Chilanka"/>
               </a:rPr>
               <a:t>Susceptible </a:t>
             </a:r>
-            <a:endParaRPr b="0" lang="en-GB" sz="1000" spc="-1" strike="noStrike">
+            <a:endParaRPr lang="en-GB" sz="1000" b="0" strike="noStrike" spc="-1">
               <a:latin typeface="Arial"/>
             </a:endParaRPr>
           </a:p>
           <a:p>
             <a:r>
-              <a:rPr b="1" lang="en-GB" sz="1000" spc="-1" strike="noStrike">
+              <a:rPr lang="en-GB" sz="1000" b="1" strike="noStrike" spc="-1">
                 <a:latin typeface="Chilanka"/>
               </a:rPr>
               <a:t>Population</a:t>
             </a:r>
-            <a:endParaRPr b="0" lang="en-GB" sz="1000" spc="-1" strike="noStrike">
+            <a:endParaRPr lang="en-GB" sz="1000" b="0" strike="noStrike" spc="-1">
               <a:latin typeface="Arial"/>
             </a:endParaRPr>
           </a:p>
@@ -3900,7 +4394,7 @@
       </p:sp>
       <p:sp>
         <p:nvSpPr>
-          <p:cNvPr id="84" name=""/>
+          <p:cNvPr id="84" name="TextBox 83"/>
           <p:cNvSpPr txBox="1"/>
           <p:nvPr/>
         </p:nvSpPr>
@@ -3918,28 +4412,29 @@
           </a:ln>
         </p:spPr>
         <p:txBody>
-          <a:bodyPr lIns="90000" rIns="90000" tIns="45000" bIns="45000">
+          <a:bodyPr lIns="90000" tIns="45000" rIns="90000" bIns="45000">
             <a:noAutofit/>
           </a:bodyPr>
+          <a:lstStyle/>
           <a:p>
             <a:r>
-              <a:rPr b="1" lang="en-GB" sz="1000" spc="-1" strike="noStrike">
+              <a:rPr lang="en-GB" sz="1000" b="1" strike="noStrike" spc="-1">
                 <a:latin typeface="Chilanka"/>
               </a:rPr>
               <a:t>Infected </a:t>
             </a:r>
-            <a:endParaRPr b="0" lang="en-GB" sz="1000" spc="-1" strike="noStrike">
+            <a:endParaRPr lang="en-GB" sz="1000" b="0" strike="noStrike" spc="-1">
               <a:latin typeface="Arial"/>
             </a:endParaRPr>
           </a:p>
           <a:p>
             <a:r>
-              <a:rPr b="1" lang="en-GB" sz="1000" spc="-1" strike="noStrike">
+              <a:rPr lang="en-GB" sz="1000" b="1" strike="noStrike" spc="-1">
                 <a:latin typeface="Chilanka"/>
               </a:rPr>
               <a:t>Population</a:t>
             </a:r>
-            <a:endParaRPr b="0" lang="en-GB" sz="1000" spc="-1" strike="noStrike">
+            <a:endParaRPr lang="en-GB" sz="1000" b="0" strike="noStrike" spc="-1">
               <a:latin typeface="Arial"/>
             </a:endParaRPr>
           </a:p>
@@ -3947,7 +4442,7 @@
       </p:sp>
       <p:sp>
         <p:nvSpPr>
-          <p:cNvPr id="85" name=""/>
+          <p:cNvPr id="85" name="TextBox 84"/>
           <p:cNvSpPr txBox="1"/>
           <p:nvPr/>
         </p:nvSpPr>
@@ -3965,17 +4460,18 @@
           </a:ln>
         </p:spPr>
         <p:txBody>
-          <a:bodyPr lIns="90000" rIns="90000" tIns="45000" bIns="45000">
+          <a:bodyPr lIns="90000" tIns="45000" rIns="90000" bIns="45000">
             <a:noAutofit/>
           </a:bodyPr>
+          <a:lstStyle/>
           <a:p>
             <a:r>
-              <a:rPr b="1" lang="en-GB" sz="1000" spc="-1" strike="noStrike">
+              <a:rPr lang="en-GB" sz="1000" b="1" strike="noStrike" spc="-1">
                 <a:latin typeface="Chilanka"/>
               </a:rPr>
               <a:t>Contact between susceptible and virus </a:t>
             </a:r>
-            <a:endParaRPr b="0" lang="en-GB" sz="1000" spc="-1" strike="noStrike">
+            <a:endParaRPr lang="en-GB" sz="1000" b="0" strike="noStrike" spc="-1">
               <a:latin typeface="Arial"/>
             </a:endParaRPr>
           </a:p>
@@ -3983,7 +4479,7 @@
       </p:sp>
       <p:sp>
         <p:nvSpPr>
-          <p:cNvPr id="86" name=""/>
+          <p:cNvPr id="86" name="TextBox 85"/>
           <p:cNvSpPr txBox="1"/>
           <p:nvPr/>
         </p:nvSpPr>
@@ -4001,17 +4497,18 @@
           </a:ln>
         </p:spPr>
         <p:txBody>
-          <a:bodyPr lIns="90000" rIns="90000" tIns="45000" bIns="45000">
+          <a:bodyPr lIns="90000" tIns="45000" rIns="90000" bIns="45000">
             <a:noAutofit/>
           </a:bodyPr>
+          <a:lstStyle/>
           <a:p>
             <a:r>
-              <a:rPr b="0" lang="en-GB" sz="1000" spc="-1" strike="noStrike">
+              <a:rPr lang="en-GB" sz="1000" b="0" strike="noStrike" spc="-1">
                 <a:latin typeface="Chilanka"/>
               </a:rPr>
               <a:t>Virus Production</a:t>
             </a:r>
-            <a:endParaRPr b="0" lang="en-GB" sz="1000" spc="-1" strike="noStrike">
+            <a:endParaRPr lang="en-GB" sz="1000" b="0" strike="noStrike" spc="-1">
               <a:latin typeface="Arial"/>
             </a:endParaRPr>
           </a:p>
@@ -4019,7 +4516,7 @@
       </p:sp>
       <p:sp>
         <p:nvSpPr>
-          <p:cNvPr id="87" name=""/>
+          <p:cNvPr id="87" name="TextBox 86"/>
           <p:cNvSpPr txBox="1"/>
           <p:nvPr/>
         </p:nvSpPr>
@@ -4037,17 +4534,18 @@
           </a:ln>
         </p:spPr>
         <p:txBody>
-          <a:bodyPr lIns="90000" rIns="90000" tIns="45000" bIns="45000">
+          <a:bodyPr lIns="90000" tIns="45000" rIns="90000" bIns="45000">
             <a:noAutofit/>
           </a:bodyPr>
+          <a:lstStyle/>
           <a:p>
             <a:r>
-              <a:rPr b="1" lang="en-GB" sz="1000" spc="-1" strike="noStrike">
+              <a:rPr lang="en-GB" sz="1000" b="1" strike="noStrike" spc="-1">
                 <a:latin typeface="Chilanka"/>
               </a:rPr>
               <a:t>Virus Concentration in the room </a:t>
             </a:r>
-            <a:endParaRPr b="0" lang="en-GB" sz="1000" spc="-1" strike="noStrike">
+            <a:endParaRPr lang="en-GB" sz="1000" b="0" strike="noStrike" spc="-1">
               <a:latin typeface="Arial"/>
             </a:endParaRPr>
           </a:p>
@@ -4055,7 +4553,7 @@
       </p:sp>
       <p:sp>
         <p:nvSpPr>
-          <p:cNvPr id="88" name=""/>
+          <p:cNvPr id="88" name="TextBox 87"/>
           <p:cNvSpPr txBox="1"/>
           <p:nvPr/>
         </p:nvSpPr>
@@ -4073,17 +4571,18 @@
           </a:ln>
         </p:spPr>
         <p:txBody>
-          <a:bodyPr lIns="90000" rIns="90000" tIns="45000" bIns="45000">
+          <a:bodyPr lIns="90000" tIns="45000" rIns="90000" bIns="45000">
             <a:noAutofit/>
           </a:bodyPr>
+          <a:lstStyle/>
           <a:p>
             <a:r>
-              <a:rPr b="1" lang="en-GB" sz="1000" spc="-1" strike="noStrike">
+              <a:rPr lang="en-GB" sz="1000" b="1" strike="noStrike" spc="-1">
                 <a:latin typeface="Chilanka"/>
               </a:rPr>
               <a:t>Vicious Cycle of virus production and infection </a:t>
             </a:r>
-            <a:endParaRPr b="0" lang="en-GB" sz="1000" spc="-1" strike="noStrike">
+            <a:endParaRPr lang="en-GB" sz="1000" b="0" strike="noStrike" spc="-1">
               <a:latin typeface="Arial"/>
             </a:endParaRPr>
           </a:p>
@@ -4091,13 +4590,13 @@
       </p:sp>
       <p:sp>
         <p:nvSpPr>
-          <p:cNvPr id="89" name=""/>
+          <p:cNvPr id="89" name="TextBox 88"/>
           <p:cNvSpPr txBox="1"/>
           <p:nvPr/>
         </p:nvSpPr>
         <p:spPr>
           <a:xfrm>
-            <a:off x="180000" y="115920"/>
+            <a:off x="265680" y="64630"/>
             <a:ext cx="8987760" cy="424080"/>
           </a:xfrm>
           <a:prstGeom prst="rect">
@@ -4109,17 +4608,18 @@
           </a:ln>
         </p:spPr>
         <p:txBody>
-          <a:bodyPr lIns="90000" rIns="90000" tIns="45000" bIns="45000">
+          <a:bodyPr lIns="90000" tIns="45000" rIns="90000" bIns="45000">
             <a:noAutofit/>
           </a:bodyPr>
+          <a:lstStyle/>
           <a:p>
             <a:r>
-              <a:rPr b="1" lang="en-GB" sz="2400" spc="-1" strike="noStrike">
+              <a:rPr lang="en-GB" sz="2400" b="1" strike="noStrike" spc="-1">
                 <a:latin typeface="Chilanka"/>
               </a:rPr>
               <a:t>Basic Epidemiological Model</a:t>
             </a:r>
-            <a:endParaRPr b="0" lang="en-GB" sz="2400" spc="-1" strike="noStrike">
+            <a:endParaRPr lang="en-GB" sz="2400" b="0" strike="noStrike" spc="-1">
               <a:latin typeface="Arial"/>
             </a:endParaRPr>
           </a:p>
@@ -4127,19 +4627,14 @@
       </p:sp>
     </p:spTree>
   </p:cSld>
-  <mc:AlternateContent>
-    <mc:Choice Requires="p14">
-      <p:transition spd="slow" p14:dur="2000"/>
-    </mc:Choice>
-    <mc:Fallback>
-      <p:transition spd="slow"/>
-    </mc:Fallback>
-  </mc:AlternateContent>
+  <p:clrMapOvr>
+    <a:masterClrMapping/>
+  </p:clrMapOvr>
 </p:sld>
 </file>
 
 <file path=ppt/slides/slide3.xml><?xml version="1.0" encoding="utf-8"?>
-<p:sld xmlns:a="http://schemas.openxmlformats.org/drawingml/2006/main" xmlns:p="http://schemas.openxmlformats.org/presentationml/2006/main" xmlns:r="http://schemas.openxmlformats.org/officeDocument/2006/relationships" xmlns:p14="http://schemas.microsoft.com/office/powerpoint/2010/main" xmlns:p15="http://schemas.microsoft.com/office/powerpoint/2012/main" xmlns:mc="http://schemas.openxmlformats.org/markup-compatibility/2006">
+<p:sld xmlns:a="http://schemas.openxmlformats.org/drawingml/2006/main" xmlns:r="http://schemas.openxmlformats.org/officeDocument/2006/relationships" xmlns:p="http://schemas.openxmlformats.org/presentationml/2006/main">
   <p:cSld>
     <p:spTree>
       <p:nvGrpSpPr>
@@ -4157,7 +4652,7 @@
       </p:grpSpPr>
       <p:sp>
         <p:nvSpPr>
-          <p:cNvPr id="90" name=""/>
+          <p:cNvPr id="90" name="TextBox 89"/>
           <p:cNvSpPr txBox="1"/>
           <p:nvPr/>
         </p:nvSpPr>
@@ -4175,17 +4670,18 @@
           </a:ln>
         </p:spPr>
         <p:txBody>
-          <a:bodyPr lIns="90000" rIns="90000" tIns="45000" bIns="45000">
+          <a:bodyPr lIns="90000" tIns="45000" rIns="90000" bIns="45000">
             <a:noAutofit/>
           </a:bodyPr>
+          <a:lstStyle/>
           <a:p>
             <a:r>
-              <a:rPr b="1" lang="en-GB" sz="2400" spc="-1" strike="noStrike">
+              <a:rPr lang="en-GB" sz="2400" b="1" strike="noStrike" spc="-1">
                 <a:latin typeface="Chilanka"/>
               </a:rPr>
               <a:t>Modified Epidemiological Model</a:t>
             </a:r>
-            <a:endParaRPr b="0" lang="en-GB" sz="2400" spc="-1" strike="noStrike">
+            <a:endParaRPr lang="en-GB" sz="2400" b="0" strike="noStrike" spc="-1">
               <a:latin typeface="Arial"/>
             </a:endParaRPr>
           </a:p>
@@ -4193,30 +4689,7 @@
       </p:sp>
       <p:pic>
         <p:nvPicPr>
-          <p:cNvPr id="91" name="" descr=""/>
-          <p:cNvPicPr/>
-          <p:nvPr/>
-        </p:nvPicPr>
-        <p:blipFill>
-          <a:blip r:embed="rId1"/>
-          <a:stretch/>
-        </p:blipFill>
-        <p:spPr>
-          <a:xfrm>
-            <a:off x="2333520" y="180000"/>
-            <a:ext cx="7468920" cy="4320000"/>
-          </a:xfrm>
-          <a:prstGeom prst="rect">
-            <a:avLst/>
-          </a:prstGeom>
-          <a:ln w="0">
-            <a:noFill/>
-          </a:ln>
-        </p:spPr>
-      </p:pic>
-      <p:pic>
-        <p:nvPicPr>
-          <p:cNvPr id="92" name="" descr=""/>
+          <p:cNvPr id="91" name="Picture 90"/>
           <p:cNvPicPr/>
           <p:nvPr/>
         </p:nvPicPr>
@@ -4226,6 +4699,29 @@
         </p:blipFill>
         <p:spPr>
           <a:xfrm>
+            <a:off x="2333520" y="180000"/>
+            <a:ext cx="7468920" cy="4320000"/>
+          </a:xfrm>
+          <a:prstGeom prst="rect">
+            <a:avLst/>
+          </a:prstGeom>
+          <a:ln w="0">
+            <a:noFill/>
+          </a:ln>
+        </p:spPr>
+      </p:pic>
+      <p:pic>
+        <p:nvPicPr>
+          <p:cNvPr id="92" name="Picture 91"/>
+          <p:cNvPicPr/>
+          <p:nvPr/>
+        </p:nvPicPr>
+        <p:blipFill>
+          <a:blip r:embed="rId3"/>
+          <a:stretch/>
+        </p:blipFill>
+        <p:spPr>
+          <a:xfrm>
             <a:off x="2700000" y="3322800"/>
             <a:ext cx="928440" cy="817200"/>
           </a:xfrm>
@@ -4239,7 +4735,7 @@
       </p:pic>
       <p:sp>
         <p:nvSpPr>
-          <p:cNvPr id="93" name=""/>
+          <p:cNvPr id="93" name="Freeform: Shape 92"/>
           <p:cNvSpPr/>
           <p:nvPr/>
         </p:nvSpPr>
@@ -4252,6 +4748,7 @@
             <a:avLst/>
             <a:gdLst/>
             <a:ahLst/>
+            <a:cxnLst/>
             <a:rect l="0" t="0" r="r" b="b"/>
             <a:pathLst>
               <a:path w="3319" h="1733">
@@ -4643,24 +5140,30 @@
             </a:pathLst>
           </a:custGeom>
           <a:solidFill>
-            <a:srgbClr val="f10d0c"/>
+            <a:srgbClr val="F10D0C"/>
           </a:solidFill>
           <a:ln w="0">
             <a:solidFill>
-              <a:srgbClr val="3465a4"/>
+              <a:srgbClr val="3465A4"/>
             </a:solidFill>
           </a:ln>
         </p:spPr>
         <p:style>
-          <a:lnRef idx="0"/>
-          <a:fillRef idx="0"/>
-          <a:effectRef idx="0"/>
+          <a:lnRef idx="0">
+            <a:scrgbClr r="0" g="0" b="0"/>
+          </a:lnRef>
+          <a:fillRef idx="0">
+            <a:scrgbClr r="0" g="0" b="0"/>
+          </a:fillRef>
+          <a:effectRef idx="0">
+            <a:scrgbClr r="0" g="0" b="0"/>
+          </a:effectRef>
           <a:fontRef idx="minor"/>
         </p:style>
       </p:sp>
       <p:sp>
         <p:nvSpPr>
-          <p:cNvPr id="94" name=""/>
+          <p:cNvPr id="94" name="Freeform: Shape 93"/>
           <p:cNvSpPr/>
           <p:nvPr/>
         </p:nvSpPr>
@@ -4673,6 +5176,7 @@
             <a:avLst/>
             <a:gdLst/>
             <a:ahLst/>
+            <a:cxnLst/>
             <a:rect l="0" t="0" r="r" b="b"/>
             <a:pathLst>
               <a:path w="3318" h="1735">
@@ -5064,24 +5568,30 @@
             </a:pathLst>
           </a:custGeom>
           <a:solidFill>
-            <a:srgbClr val="f10d0c"/>
+            <a:srgbClr val="F10D0C"/>
           </a:solidFill>
           <a:ln w="0">
             <a:solidFill>
-              <a:srgbClr val="3465a4"/>
+              <a:srgbClr val="3465A4"/>
             </a:solidFill>
           </a:ln>
         </p:spPr>
         <p:style>
-          <a:lnRef idx="0"/>
-          <a:fillRef idx="0"/>
-          <a:effectRef idx="0"/>
+          <a:lnRef idx="0">
+            <a:scrgbClr r="0" g="0" b="0"/>
+          </a:lnRef>
+          <a:fillRef idx="0">
+            <a:scrgbClr r="0" g="0" b="0"/>
+          </a:fillRef>
+          <a:effectRef idx="0">
+            <a:scrgbClr r="0" g="0" b="0"/>
+          </a:effectRef>
           <a:fontRef idx="minor"/>
         </p:style>
       </p:sp>
       <p:sp>
         <p:nvSpPr>
-          <p:cNvPr id="95" name=""/>
+          <p:cNvPr id="95" name="TextBox 94"/>
           <p:cNvSpPr txBox="1"/>
           <p:nvPr/>
         </p:nvSpPr>
@@ -5099,17 +5609,18 @@
           </a:ln>
         </p:spPr>
         <p:txBody>
-          <a:bodyPr lIns="90000" rIns="90000" tIns="45000" bIns="45000">
+          <a:bodyPr lIns="90000" tIns="45000" rIns="90000" bIns="45000">
             <a:noAutofit/>
           </a:bodyPr>
+          <a:lstStyle/>
           <a:p>
             <a:r>
-              <a:rPr b="1" lang="en-GB" sz="1000" spc="-1" strike="noStrike">
+              <a:rPr lang="en-GB" sz="1000" b="1" strike="noStrike" spc="-1">
                 <a:latin typeface="Chilanka"/>
               </a:rPr>
               <a:t>Ventilation System</a:t>
             </a:r>
-            <a:endParaRPr b="0" lang="en-GB" sz="1000" spc="-1" strike="noStrike">
+            <a:endParaRPr lang="en-GB" sz="1000" b="0" strike="noStrike" spc="-1">
               <a:latin typeface="Arial"/>
             </a:endParaRPr>
           </a:p>
@@ -5117,7 +5628,7 @@
       </p:sp>
       <p:sp>
         <p:nvSpPr>
-          <p:cNvPr id="96" name=""/>
+          <p:cNvPr id="96" name="Freeform: Shape 95"/>
           <p:cNvSpPr/>
           <p:nvPr/>
         </p:nvSpPr>
@@ -5130,6 +5641,7 @@
             <a:avLst/>
             <a:gdLst/>
             <a:ahLst/>
+            <a:cxnLst/>
             <a:rect l="0" t="0" r="r" b="b"/>
             <a:pathLst>
               <a:path w="2490" h="983">
@@ -5161,7 +5673,7 @@
             </a:pathLst>
           </a:custGeom>
           <a:solidFill>
-            <a:srgbClr val="f10d0c"/>
+            <a:srgbClr val="F10D0C"/>
           </a:solidFill>
           <a:ln w="6480">
             <a:solidFill>
@@ -5171,15 +5683,21 @@
           </a:ln>
         </p:spPr>
         <p:style>
-          <a:lnRef idx="0"/>
-          <a:fillRef idx="0"/>
-          <a:effectRef idx="0"/>
+          <a:lnRef idx="0">
+            <a:scrgbClr r="0" g="0" b="0"/>
+          </a:lnRef>
+          <a:fillRef idx="0">
+            <a:scrgbClr r="0" g="0" b="0"/>
+          </a:fillRef>
+          <a:effectRef idx="0">
+            <a:scrgbClr r="0" g="0" b="0"/>
+          </a:effectRef>
           <a:fontRef idx="minor"/>
         </p:style>
       </p:sp>
       <p:sp>
         <p:nvSpPr>
-          <p:cNvPr id="97" name=""/>
+          <p:cNvPr id="97" name="TextBox 96"/>
           <p:cNvSpPr txBox="1"/>
           <p:nvPr/>
         </p:nvSpPr>
@@ -5197,17 +5715,18 @@
           </a:ln>
         </p:spPr>
         <p:txBody>
-          <a:bodyPr lIns="90000" rIns="90000" tIns="45000" bIns="45000">
+          <a:bodyPr lIns="90000" tIns="45000" rIns="90000" bIns="45000">
             <a:noAutofit/>
           </a:bodyPr>
+          <a:lstStyle/>
           <a:p>
             <a:r>
-              <a:rPr b="1" lang="en-GB" sz="1000" spc="-1" strike="noStrike">
+              <a:rPr lang="en-GB" sz="1000" b="1" strike="noStrike" spc="-1">
                 <a:latin typeface="Chilanka"/>
               </a:rPr>
               <a:t>Virus lost due to filters and air exchange</a:t>
             </a:r>
-            <a:endParaRPr b="0" lang="en-GB" sz="1000" spc="-1" strike="noStrike">
+            <a:endParaRPr lang="en-GB" sz="1000" b="0" strike="noStrike" spc="-1">
               <a:latin typeface="Arial"/>
             </a:endParaRPr>
           </a:p>
@@ -5215,7 +5734,7 @@
       </p:sp>
       <p:sp>
         <p:nvSpPr>
-          <p:cNvPr id="98" name=""/>
+          <p:cNvPr id="98" name="Freeform: Shape 97"/>
           <p:cNvSpPr/>
           <p:nvPr/>
         </p:nvSpPr>
@@ -5228,6 +5747,7 @@
             <a:avLst/>
             <a:gdLst/>
             <a:ahLst/>
+            <a:cxnLst/>
             <a:rect l="0" t="0" r="r" b="b"/>
             <a:pathLst>
               <a:path w="2245" h="1486">
@@ -5259,7 +5779,7 @@
             </a:pathLst>
           </a:custGeom>
           <a:solidFill>
-            <a:srgbClr val="f10d0c"/>
+            <a:srgbClr val="F10D0C"/>
           </a:solidFill>
           <a:ln w="6480">
             <a:solidFill>
@@ -5269,15 +5789,21 @@
           </a:ln>
         </p:spPr>
         <p:style>
-          <a:lnRef idx="0"/>
-          <a:fillRef idx="0"/>
-          <a:effectRef idx="0"/>
+          <a:lnRef idx="0">
+            <a:scrgbClr r="0" g="0" b="0"/>
+          </a:lnRef>
+          <a:fillRef idx="0">
+            <a:scrgbClr r="0" g="0" b="0"/>
+          </a:fillRef>
+          <a:effectRef idx="0">
+            <a:scrgbClr r="0" g="0" b="0"/>
+          </a:effectRef>
           <a:fontRef idx="minor"/>
         </p:style>
       </p:sp>
       <p:sp>
         <p:nvSpPr>
-          <p:cNvPr id="99" name=""/>
+          <p:cNvPr id="99" name="TextBox 98"/>
           <p:cNvSpPr txBox="1"/>
           <p:nvPr/>
         </p:nvSpPr>
@@ -5295,17 +5821,18 @@
           </a:ln>
         </p:spPr>
         <p:txBody>
-          <a:bodyPr lIns="90000" rIns="90000" tIns="45000" bIns="45000">
+          <a:bodyPr lIns="90000" tIns="45000" rIns="90000" bIns="45000">
             <a:noAutofit/>
           </a:bodyPr>
+          <a:lstStyle/>
           <a:p>
             <a:r>
-              <a:rPr b="1" lang="en-GB" sz="1000" spc="-1" strike="noStrike">
+              <a:rPr lang="en-GB" sz="1000" b="1" strike="noStrike" spc="-1">
                 <a:latin typeface="Chilanka"/>
               </a:rPr>
               <a:t>Virus lost due to settling and deactivation</a:t>
             </a:r>
-            <a:endParaRPr b="0" lang="en-GB" sz="1000" spc="-1" strike="noStrike">
+            <a:endParaRPr lang="en-GB" sz="1000" b="0" strike="noStrike" spc="-1">
               <a:latin typeface="Arial"/>
             </a:endParaRPr>
           </a:p>
@@ -5313,7 +5840,7 @@
       </p:sp>
       <p:sp>
         <p:nvSpPr>
-          <p:cNvPr id="100" name=""/>
+          <p:cNvPr id="100" name="Freeform: Shape 99"/>
           <p:cNvSpPr/>
           <p:nvPr/>
         </p:nvSpPr>
@@ -5326,6 +5853,7 @@
             <a:avLst/>
             <a:gdLst/>
             <a:ahLst/>
+            <a:cxnLst/>
             <a:rect l="0" t="0" r="r" b="b"/>
             <a:pathLst>
               <a:path w="1002" h="1001">
@@ -5372,24 +5900,30 @@
             </a:pathLst>
           </a:custGeom>
           <a:solidFill>
-            <a:srgbClr val="f10d0c"/>
+            <a:srgbClr val="F10D0C"/>
           </a:solidFill>
           <a:ln w="0">
             <a:solidFill>
-              <a:srgbClr val="f10d0c"/>
+              <a:srgbClr val="F10D0C"/>
             </a:solidFill>
           </a:ln>
         </p:spPr>
         <p:style>
-          <a:lnRef idx="0"/>
-          <a:fillRef idx="0"/>
-          <a:effectRef idx="0"/>
+          <a:lnRef idx="0">
+            <a:scrgbClr r="0" g="0" b="0"/>
+          </a:lnRef>
+          <a:fillRef idx="0">
+            <a:scrgbClr r="0" g="0" b="0"/>
+          </a:fillRef>
+          <a:effectRef idx="0">
+            <a:scrgbClr r="0" g="0" b="0"/>
+          </a:effectRef>
           <a:fontRef idx="minor"/>
         </p:style>
       </p:sp>
       <p:sp>
         <p:nvSpPr>
-          <p:cNvPr id="101" name=""/>
+          <p:cNvPr id="101" name="Freeform: Shape 100"/>
           <p:cNvSpPr/>
           <p:nvPr/>
         </p:nvSpPr>
@@ -5402,6 +5936,7 @@
             <a:avLst/>
             <a:gdLst/>
             <a:ahLst/>
+            <a:cxnLst/>
             <a:rect l="0" t="0" r="r" b="b"/>
             <a:pathLst>
               <a:path w="1002" h="1002">
@@ -5448,24 +5983,30 @@
             </a:pathLst>
           </a:custGeom>
           <a:solidFill>
-            <a:srgbClr val="f10d0c"/>
+            <a:srgbClr val="F10D0C"/>
           </a:solidFill>
           <a:ln w="0">
             <a:solidFill>
-              <a:srgbClr val="f10d0c"/>
+              <a:srgbClr val="F10D0C"/>
             </a:solidFill>
           </a:ln>
         </p:spPr>
         <p:style>
-          <a:lnRef idx="0"/>
-          <a:fillRef idx="0"/>
-          <a:effectRef idx="0"/>
+          <a:lnRef idx="0">
+            <a:scrgbClr r="0" g="0" b="0"/>
+          </a:lnRef>
+          <a:fillRef idx="0">
+            <a:scrgbClr r="0" g="0" b="0"/>
+          </a:fillRef>
+          <a:effectRef idx="0">
+            <a:scrgbClr r="0" g="0" b="0"/>
+          </a:effectRef>
           <a:fontRef idx="minor"/>
         </p:style>
       </p:sp>
       <p:sp>
         <p:nvSpPr>
-          <p:cNvPr id="102" name=""/>
+          <p:cNvPr id="102" name="Freeform: Shape 101"/>
           <p:cNvSpPr/>
           <p:nvPr/>
         </p:nvSpPr>
@@ -5478,6 +6019,7 @@
             <a:avLst/>
             <a:gdLst/>
             <a:ahLst/>
+            <a:cxnLst/>
             <a:rect l="0" t="0" r="r" b="b"/>
             <a:pathLst>
               <a:path w="1002" h="1002">
@@ -5524,24 +6066,30 @@
             </a:pathLst>
           </a:custGeom>
           <a:solidFill>
-            <a:srgbClr val="f10d0c"/>
+            <a:srgbClr val="F10D0C"/>
           </a:solidFill>
           <a:ln w="0">
             <a:solidFill>
-              <a:srgbClr val="f10d0c"/>
+              <a:srgbClr val="F10D0C"/>
             </a:solidFill>
           </a:ln>
         </p:spPr>
         <p:style>
-          <a:lnRef idx="0"/>
-          <a:fillRef idx="0"/>
-          <a:effectRef idx="0"/>
+          <a:lnRef idx="0">
+            <a:scrgbClr r="0" g="0" b="0"/>
+          </a:lnRef>
+          <a:fillRef idx="0">
+            <a:scrgbClr r="0" g="0" b="0"/>
+          </a:fillRef>
+          <a:effectRef idx="0">
+            <a:scrgbClr r="0" g="0" b="0"/>
+          </a:effectRef>
           <a:fontRef idx="minor"/>
         </p:style>
       </p:sp>
       <p:sp>
         <p:nvSpPr>
-          <p:cNvPr id="103" name=""/>
+          <p:cNvPr id="103" name="Freeform: Shape 102"/>
           <p:cNvSpPr/>
           <p:nvPr/>
         </p:nvSpPr>
@@ -5554,6 +6102,7 @@
             <a:avLst/>
             <a:gdLst/>
             <a:ahLst/>
+            <a:cxnLst/>
             <a:rect l="0" t="0" r="r" b="b"/>
             <a:pathLst>
               <a:path w="1002" h="1002">
@@ -5600,24 +6149,30 @@
             </a:pathLst>
           </a:custGeom>
           <a:solidFill>
-            <a:srgbClr val="f10d0c"/>
+            <a:srgbClr val="F10D0C"/>
           </a:solidFill>
           <a:ln w="0">
             <a:solidFill>
-              <a:srgbClr val="f10d0c"/>
+              <a:srgbClr val="F10D0C"/>
             </a:solidFill>
           </a:ln>
         </p:spPr>
         <p:style>
-          <a:lnRef idx="0"/>
-          <a:fillRef idx="0"/>
-          <a:effectRef idx="0"/>
+          <a:lnRef idx="0">
+            <a:scrgbClr r="0" g="0" b="0"/>
+          </a:lnRef>
+          <a:fillRef idx="0">
+            <a:scrgbClr r="0" g="0" b="0"/>
+          </a:fillRef>
+          <a:effectRef idx="0">
+            <a:scrgbClr r="0" g="0" b="0"/>
+          </a:effectRef>
           <a:fontRef idx="minor"/>
         </p:style>
       </p:sp>
       <p:sp>
         <p:nvSpPr>
-          <p:cNvPr id="104" name=""/>
+          <p:cNvPr id="104" name="Freeform: Shape 103"/>
           <p:cNvSpPr/>
           <p:nvPr/>
         </p:nvSpPr>
@@ -5630,6 +6185,7 @@
             <a:avLst/>
             <a:gdLst/>
             <a:ahLst/>
+            <a:cxnLst/>
             <a:rect l="0" t="0" r="r" b="b"/>
             <a:pathLst>
               <a:path w="1001" h="1002">
@@ -5676,24 +6232,30 @@
             </a:pathLst>
           </a:custGeom>
           <a:solidFill>
-            <a:srgbClr val="f10d0c"/>
+            <a:srgbClr val="F10D0C"/>
           </a:solidFill>
           <a:ln w="0">
             <a:solidFill>
-              <a:srgbClr val="f10d0c"/>
+              <a:srgbClr val="F10D0C"/>
             </a:solidFill>
           </a:ln>
         </p:spPr>
         <p:style>
-          <a:lnRef idx="0"/>
-          <a:fillRef idx="0"/>
-          <a:effectRef idx="0"/>
+          <a:lnRef idx="0">
+            <a:scrgbClr r="0" g="0" b="0"/>
+          </a:lnRef>
+          <a:fillRef idx="0">
+            <a:scrgbClr r="0" g="0" b="0"/>
+          </a:fillRef>
+          <a:effectRef idx="0">
+            <a:scrgbClr r="0" g="0" b="0"/>
+          </a:effectRef>
           <a:fontRef idx="minor"/>
         </p:style>
       </p:sp>
       <p:sp>
         <p:nvSpPr>
-          <p:cNvPr id="105" name=""/>
+          <p:cNvPr id="105" name="Freeform: Shape 104"/>
           <p:cNvSpPr/>
           <p:nvPr/>
         </p:nvSpPr>
@@ -5706,6 +6268,7 @@
             <a:avLst/>
             <a:gdLst/>
             <a:ahLst/>
+            <a:cxnLst/>
             <a:rect l="0" t="0" r="r" b="b"/>
             <a:pathLst>
               <a:path w="1002" h="1002">
@@ -5752,47 +6315,30 @@
             </a:pathLst>
           </a:custGeom>
           <a:solidFill>
-            <a:srgbClr val="f10d0c"/>
+            <a:srgbClr val="F10D0C"/>
           </a:solidFill>
           <a:ln w="0">
             <a:solidFill>
-              <a:srgbClr val="f10d0c"/>
+              <a:srgbClr val="F10D0C"/>
             </a:solidFill>
           </a:ln>
         </p:spPr>
         <p:style>
-          <a:lnRef idx="0"/>
-          <a:fillRef idx="0"/>
-          <a:effectRef idx="0"/>
+          <a:lnRef idx="0">
+            <a:scrgbClr r="0" g="0" b="0"/>
+          </a:lnRef>
+          <a:fillRef idx="0">
+            <a:scrgbClr r="0" g="0" b="0"/>
+          </a:fillRef>
+          <a:effectRef idx="0">
+            <a:scrgbClr r="0" g="0" b="0"/>
+          </a:effectRef>
           <a:fontRef idx="minor"/>
         </p:style>
       </p:sp>
       <p:pic>
         <p:nvPicPr>
-          <p:cNvPr id="106" name="" descr=""/>
-          <p:cNvPicPr/>
-          <p:nvPr/>
-        </p:nvPicPr>
-        <p:blipFill>
-          <a:blip r:embed="rId3"/>
-          <a:stretch/>
-        </p:blipFill>
-        <p:spPr>
-          <a:xfrm>
-            <a:off x="4140000" y="2340000"/>
-            <a:ext cx="179280" cy="180000"/>
-          </a:xfrm>
-          <a:prstGeom prst="rect">
-            <a:avLst/>
-          </a:prstGeom>
-          <a:ln w="0">
-            <a:noFill/>
-          </a:ln>
-        </p:spPr>
-      </p:pic>
-      <p:pic>
-        <p:nvPicPr>
-          <p:cNvPr id="107" name="" descr=""/>
+          <p:cNvPr id="106" name="Picture 105"/>
           <p:cNvPicPr/>
           <p:nvPr/>
         </p:nvPicPr>
@@ -5802,7 +6348,7 @@
         </p:blipFill>
         <p:spPr>
           <a:xfrm>
-            <a:off x="3377520" y="2340000"/>
+            <a:off x="4140000" y="2340000"/>
             <a:ext cx="179280" cy="180000"/>
           </a:xfrm>
           <a:prstGeom prst="rect">
@@ -5815,17 +6361,17 @@
       </p:pic>
       <p:pic>
         <p:nvPicPr>
-          <p:cNvPr id="108" name="" descr=""/>
+          <p:cNvPr id="107" name="Picture 106"/>
           <p:cNvPicPr/>
           <p:nvPr/>
         </p:nvPicPr>
         <p:blipFill>
-          <a:blip r:embed="rId5"/>
+          <a:blip r:embed="rId4"/>
           <a:stretch/>
         </p:blipFill>
         <p:spPr>
           <a:xfrm>
-            <a:off x="3960000" y="4860000"/>
+            <a:off x="3377520" y="2340000"/>
             <a:ext cx="179280" cy="180000"/>
           </a:xfrm>
           <a:prstGeom prst="rect">
@@ -5838,17 +6384,17 @@
       </p:pic>
       <p:pic>
         <p:nvPicPr>
-          <p:cNvPr id="109" name="" descr=""/>
+          <p:cNvPr id="108" name="Picture 107"/>
           <p:cNvPicPr/>
           <p:nvPr/>
         </p:nvPicPr>
         <p:blipFill>
-          <a:blip r:embed="rId6"/>
+          <a:blip r:embed="rId4"/>
           <a:stretch/>
         </p:blipFill>
         <p:spPr>
           <a:xfrm>
-            <a:off x="3780720" y="2520000"/>
+            <a:off x="3960000" y="4860000"/>
             <a:ext cx="179280" cy="180000"/>
           </a:xfrm>
           <a:prstGeom prst="rect">
@@ -5861,17 +6407,17 @@
       </p:pic>
       <p:pic>
         <p:nvPicPr>
-          <p:cNvPr id="110" name="" descr=""/>
+          <p:cNvPr id="109" name="Picture 108"/>
           <p:cNvPicPr/>
           <p:nvPr/>
         </p:nvPicPr>
         <p:blipFill>
-          <a:blip r:embed="rId7"/>
+          <a:blip r:embed="rId4"/>
           <a:stretch/>
         </p:blipFill>
         <p:spPr>
           <a:xfrm>
-            <a:off x="1800720" y="3922920"/>
+            <a:off x="3780720" y="2520000"/>
             <a:ext cx="179280" cy="180000"/>
           </a:xfrm>
           <a:prstGeom prst="rect">
@@ -5884,17 +6430,17 @@
       </p:pic>
       <p:pic>
         <p:nvPicPr>
-          <p:cNvPr id="111" name="" descr=""/>
+          <p:cNvPr id="110" name="Picture 109"/>
           <p:cNvPicPr/>
           <p:nvPr/>
         </p:nvPicPr>
         <p:blipFill>
-          <a:blip r:embed="rId8"/>
+          <a:blip r:embed="rId4"/>
           <a:stretch/>
         </p:blipFill>
         <p:spPr>
           <a:xfrm>
-            <a:off x="1440000" y="3566160"/>
+            <a:off x="1800720" y="3922920"/>
             <a:ext cx="179280" cy="180000"/>
           </a:xfrm>
           <a:prstGeom prst="rect">
@@ -5907,17 +6453,17 @@
       </p:pic>
       <p:pic>
         <p:nvPicPr>
-          <p:cNvPr id="112" name="" descr=""/>
+          <p:cNvPr id="111" name="Picture 110"/>
           <p:cNvPicPr/>
           <p:nvPr/>
         </p:nvPicPr>
         <p:blipFill>
-          <a:blip r:embed="rId9"/>
+          <a:blip r:embed="rId4"/>
           <a:stretch/>
         </p:blipFill>
         <p:spPr>
           <a:xfrm>
-            <a:off x="5004000" y="5004000"/>
+            <a:off x="1440000" y="3566160"/>
             <a:ext cx="179280" cy="180000"/>
           </a:xfrm>
           <a:prstGeom prst="rect">
@@ -5930,12 +6476,35 @@
       </p:pic>
       <p:pic>
         <p:nvPicPr>
-          <p:cNvPr id="113" name="" descr=""/>
+          <p:cNvPr id="112" name="Picture 111"/>
           <p:cNvPicPr/>
           <p:nvPr/>
         </p:nvPicPr>
         <p:blipFill>
-          <a:blip r:embed="rId10"/>
+          <a:blip r:embed="rId4"/>
+          <a:stretch/>
+        </p:blipFill>
+        <p:spPr>
+          <a:xfrm>
+            <a:off x="5004000" y="5004000"/>
+            <a:ext cx="179280" cy="180000"/>
+          </a:xfrm>
+          <a:prstGeom prst="rect">
+            <a:avLst/>
+          </a:prstGeom>
+          <a:ln w="0">
+            <a:noFill/>
+          </a:ln>
+        </p:spPr>
+      </p:pic>
+      <p:pic>
+        <p:nvPicPr>
+          <p:cNvPr id="113" name="Picture 112"/>
+          <p:cNvPicPr/>
+          <p:nvPr/>
+        </p:nvPicPr>
+        <p:blipFill>
+          <a:blip r:embed="rId4"/>
           <a:stretch/>
         </p:blipFill>
         <p:spPr>
@@ -5953,14 +6522,9 @@
       </p:pic>
     </p:spTree>
   </p:cSld>
-  <mc:AlternateContent>
-    <mc:Choice Requires="p14">
-      <p:transition spd="slow" p14:dur="2000"/>
-    </mc:Choice>
-    <mc:Fallback>
-      <p:transition spd="slow"/>
-    </mc:Fallback>
-  </mc:AlternateContent>
+  <p:clrMapOvr>
+    <a:masterClrMapping/>
+  </p:clrMapOvr>
 </p:sld>
 </file>
 
@@ -5975,31 +6539,31 @@
         <a:sysClr val="window" lastClr="FFFFFF"/>
       </a:lt1>
       <a:dk2>
-        <a:srgbClr val="1f497d"/>
+        <a:srgbClr val="1F497D"/>
       </a:dk2>
       <a:lt2>
-        <a:srgbClr val="eeece1"/>
+        <a:srgbClr val="EEECE1"/>
       </a:lt2>
       <a:accent1>
-        <a:srgbClr val="4f81bd"/>
+        <a:srgbClr val="4F81BD"/>
       </a:accent1>
       <a:accent2>
-        <a:srgbClr val="c0504d"/>
+        <a:srgbClr val="C0504D"/>
       </a:accent2>
       <a:accent3>
-        <a:srgbClr val="9bbb59"/>
+        <a:srgbClr val="9BBB59"/>
       </a:accent3>
       <a:accent4>
-        <a:srgbClr val="8064a2"/>
+        <a:srgbClr val="8064A2"/>
       </a:accent4>
       <a:accent5>
-        <a:srgbClr val="4bacc6"/>
+        <a:srgbClr val="4BACC6"/>
       </a:accent5>
       <a:accent6>
-        <a:srgbClr val="f79646"/>
+        <a:srgbClr val="F79646"/>
       </a:accent6>
       <a:hlink>
-        <a:srgbClr val="0000ff"/>
+        <a:srgbClr val="0000FF"/>
       </a:hlink>
       <a:folHlink>
         <a:srgbClr val="800080"/>
@@ -6187,5 +6751,7 @@
       </a:bgFillStyleLst>
     </a:fmtScheme>
   </a:themeElements>
+  <a:objectDefaults/>
+  <a:extraClrSchemeLst/>
 </a:theme>
 </file>